--- a/lecture-materials/Migration&Transfer/aws_application_discovery_service/ads.pptx
+++ b/lecture-materials/Migration&Transfer/aws_application_discovery_service/ads.pptx
@@ -5,20 +5,21 @@
     <p:sldMasterId id="2147483648" r:id="rId1"/>
   </p:sldMasterIdLst>
   <p:notesMasterIdLst>
-    <p:notesMasterId r:id="rId13"/>
+    <p:notesMasterId r:id="rId14"/>
   </p:notesMasterIdLst>
   <p:sldIdLst>
     <p:sldId id="256" r:id="rId2"/>
-    <p:sldId id="257" r:id="rId3"/>
-    <p:sldId id="258" r:id="rId4"/>
-    <p:sldId id="259" r:id="rId5"/>
-    <p:sldId id="260" r:id="rId6"/>
-    <p:sldId id="261" r:id="rId7"/>
-    <p:sldId id="262" r:id="rId8"/>
+    <p:sldId id="259" r:id="rId3"/>
+    <p:sldId id="260" r:id="rId4"/>
+    <p:sldId id="257" r:id="rId5"/>
+    <p:sldId id="258" r:id="rId6"/>
+    <p:sldId id="266" r:id="rId7"/>
+    <p:sldId id="261" r:id="rId8"/>
     <p:sldId id="268" r:id="rId9"/>
-    <p:sldId id="263" r:id="rId10"/>
-    <p:sldId id="264" r:id="rId11"/>
-    <p:sldId id="266" r:id="rId12"/>
+    <p:sldId id="262" r:id="rId10"/>
+    <p:sldId id="263" r:id="rId11"/>
+    <p:sldId id="264" r:id="rId12"/>
+    <p:sldId id="269" r:id="rId13"/>
   </p:sldIdLst>
   <p:sldSz cx="12192000" cy="6858000"/>
   <p:notesSz cx="6858000" cy="9144000"/>
@@ -3762,7 +3763,7 @@
           <a:p>
             <a:fld id="{EFEC5AEF-AFE2-9844-BE09-4AD46C44B05C}" type="datetimeFigureOut">
               <a:rPr lang="en-CH" smtClean="0"/>
-              <a:t>03.09.23</a:t>
+              <a:t>06.02.2024</a:t>
             </a:fld>
             <a:endParaRPr lang="en-CH"/>
           </a:p>
@@ -4095,7 +4096,7 @@
           <a:p>
             <a:fld id="{DB862F03-4DEC-274A-A20C-805CBFAD64FF}" type="slidenum">
               <a:rPr lang="en-CH" smtClean="0"/>
-              <a:t>11</a:t>
+              <a:t>6</a:t>
             </a:fld>
             <a:endParaRPr lang="en-CH"/>
           </a:p>
@@ -4263,7 +4264,7 @@
           <a:p>
             <a:fld id="{322C9020-58D6-4B4B-AE71-CBBD8D6FD410}" type="datetimeFigureOut">
               <a:rPr lang="en-CH" smtClean="0"/>
-              <a:t>03.09.23</a:t>
+              <a:t>06.02.2024</a:t>
             </a:fld>
             <a:endParaRPr lang="en-CH"/>
           </a:p>
@@ -4463,7 +4464,7 @@
           <a:p>
             <a:fld id="{322C9020-58D6-4B4B-AE71-CBBD8D6FD410}" type="datetimeFigureOut">
               <a:rPr lang="en-CH" smtClean="0"/>
-              <a:t>03.09.23</a:t>
+              <a:t>06.02.2024</a:t>
             </a:fld>
             <a:endParaRPr lang="en-CH"/>
           </a:p>
@@ -4673,7 +4674,7 @@
           <a:p>
             <a:fld id="{322C9020-58D6-4B4B-AE71-CBBD8D6FD410}" type="datetimeFigureOut">
               <a:rPr lang="en-CH" smtClean="0"/>
-              <a:t>03.09.23</a:t>
+              <a:t>06.02.2024</a:t>
             </a:fld>
             <a:endParaRPr lang="en-CH"/>
           </a:p>
@@ -4873,7 +4874,7 @@
           <a:p>
             <a:fld id="{322C9020-58D6-4B4B-AE71-CBBD8D6FD410}" type="datetimeFigureOut">
               <a:rPr lang="en-CH" smtClean="0"/>
-              <a:t>03.09.23</a:t>
+              <a:t>06.02.2024</a:t>
             </a:fld>
             <a:endParaRPr lang="en-CH"/>
           </a:p>
@@ -5149,7 +5150,7 @@
           <a:p>
             <a:fld id="{322C9020-58D6-4B4B-AE71-CBBD8D6FD410}" type="datetimeFigureOut">
               <a:rPr lang="en-CH" smtClean="0"/>
-              <a:t>03.09.23</a:t>
+              <a:t>06.02.2024</a:t>
             </a:fld>
             <a:endParaRPr lang="en-CH"/>
           </a:p>
@@ -5417,7 +5418,7 @@
           <a:p>
             <a:fld id="{322C9020-58D6-4B4B-AE71-CBBD8D6FD410}" type="datetimeFigureOut">
               <a:rPr lang="en-CH" smtClean="0"/>
-              <a:t>03.09.23</a:t>
+              <a:t>06.02.2024</a:t>
             </a:fld>
             <a:endParaRPr lang="en-CH"/>
           </a:p>
@@ -5832,7 +5833,7 @@
           <a:p>
             <a:fld id="{322C9020-58D6-4B4B-AE71-CBBD8D6FD410}" type="datetimeFigureOut">
               <a:rPr lang="en-CH" smtClean="0"/>
-              <a:t>03.09.23</a:t>
+              <a:t>06.02.2024</a:t>
             </a:fld>
             <a:endParaRPr lang="en-CH"/>
           </a:p>
@@ -5974,7 +5975,7 @@
           <a:p>
             <a:fld id="{322C9020-58D6-4B4B-AE71-CBBD8D6FD410}" type="datetimeFigureOut">
               <a:rPr lang="en-CH" smtClean="0"/>
-              <a:t>03.09.23</a:t>
+              <a:t>06.02.2024</a:t>
             </a:fld>
             <a:endParaRPr lang="en-CH"/>
           </a:p>
@@ -6087,7 +6088,7 @@
           <a:p>
             <a:fld id="{322C9020-58D6-4B4B-AE71-CBBD8D6FD410}" type="datetimeFigureOut">
               <a:rPr lang="en-CH" smtClean="0"/>
-              <a:t>03.09.23</a:t>
+              <a:t>06.02.2024</a:t>
             </a:fld>
             <a:endParaRPr lang="en-CH"/>
           </a:p>
@@ -6400,7 +6401,7 @@
           <a:p>
             <a:fld id="{322C9020-58D6-4B4B-AE71-CBBD8D6FD410}" type="datetimeFigureOut">
               <a:rPr lang="en-CH" smtClean="0"/>
-              <a:t>03.09.23</a:t>
+              <a:t>06.02.2024</a:t>
             </a:fld>
             <a:endParaRPr lang="en-CH"/>
           </a:p>
@@ -6689,7 +6690,7 @@
           <a:p>
             <a:fld id="{322C9020-58D6-4B4B-AE71-CBBD8D6FD410}" type="datetimeFigureOut">
               <a:rPr lang="en-CH" smtClean="0"/>
-              <a:t>03.09.23</a:t>
+              <a:t>06.02.2024</a:t>
             </a:fld>
             <a:endParaRPr lang="en-CH"/>
           </a:p>
@@ -6932,7 +6933,7 @@
           <a:p>
             <a:fld id="{322C9020-58D6-4B4B-AE71-CBBD8D6FD410}" type="datetimeFigureOut">
               <a:rPr lang="en-CH" smtClean="0"/>
-              <a:t>03.09.23</a:t>
+              <a:t>06.02.2024</a:t>
             </a:fld>
             <a:endParaRPr lang="en-CH"/>
           </a:p>
@@ -8299,6 +8300,973 @@
       </p:grpSpPr>
       <p:sp useBgFill="1">
         <p:nvSpPr>
+          <p:cNvPr id="8" name="Rectangle 7">
+            <a:extLst>
+              <a:ext uri="{FF2B5EF4-FFF2-40B4-BE49-F238E27FC236}">
+                <a16:creationId xmlns:a16="http://schemas.microsoft.com/office/drawing/2014/main" id="{100EDD19-6802-4EC3-95CE-CFFAB042CFD6}"/>
+              </a:ext>
+              <a:ext uri="{C183D7F6-B498-43B3-948B-1728B52AA6E4}">
+                <adec:decorative xmlns:adec="http://schemas.microsoft.com/office/drawing/2017/decorative" val="1"/>
+              </a:ext>
+            </a:extLst>
+          </p:cNvPr>
+          <p:cNvSpPr>
+            <a:spLocks noGrp="1" noRot="1" noChangeAspect="1" noMove="1" noResize="1" noEditPoints="1" noAdjustHandles="1" noChangeArrowheads="1" noChangeShapeType="1" noTextEdit="1"/>
+          </p:cNvSpPr>
+          <p:nvPr>
+            <p:extLst>
+              <p:ext uri="{386F3935-93C4-4BCD-93E2-E3B085C9AB24}">
+                <p16:designElem xmlns:p16="http://schemas.microsoft.com/office/powerpoint/2015/main" val="1"/>
+              </p:ext>
+            </p:extLst>
+          </p:nvPr>
+        </p:nvSpPr>
+        <p:spPr>
+          <a:xfrm>
+            <a:off x="0" y="0"/>
+            <a:ext cx="12188952" cy="6858000"/>
+          </a:xfrm>
+          <a:prstGeom prst="rect">
+            <a:avLst/>
+          </a:prstGeom>
+          <a:ln>
+            <a:noFill/>
+          </a:ln>
+        </p:spPr>
+        <p:style>
+          <a:lnRef idx="2">
+            <a:schemeClr val="accent1">
+              <a:shade val="50000"/>
+            </a:schemeClr>
+          </a:lnRef>
+          <a:fillRef idx="1">
+            <a:schemeClr val="accent1"/>
+          </a:fillRef>
+          <a:effectRef idx="0">
+            <a:schemeClr val="accent1"/>
+          </a:effectRef>
+          <a:fontRef idx="minor">
+            <a:schemeClr val="lt1"/>
+          </a:fontRef>
+        </p:style>
+        <p:txBody>
+          <a:bodyPr rtlCol="0" anchor="ctr"/>
+          <a:lstStyle/>
+          <a:p>
+            <a:pPr algn="ctr"/>
+            <a:endParaRPr lang="en-US"/>
+          </a:p>
+        </p:txBody>
+      </p:sp>
+      <p:sp>
+        <p:nvSpPr>
+          <p:cNvPr id="2" name="Title 1">
+            <a:extLst>
+              <a:ext uri="{FF2B5EF4-FFF2-40B4-BE49-F238E27FC236}">
+                <a16:creationId xmlns:a16="http://schemas.microsoft.com/office/drawing/2014/main" id="{9F09BBB3-8256-92F8-B083-8350779515B8}"/>
+              </a:ext>
+            </a:extLst>
+          </p:cNvPr>
+          <p:cNvSpPr>
+            <a:spLocks noGrp="1"/>
+          </p:cNvSpPr>
+          <p:nvPr>
+            <p:ph type="title"/>
+          </p:nvPr>
+        </p:nvSpPr>
+        <p:spPr>
+          <a:xfrm>
+            <a:off x="838200" y="365125"/>
+            <a:ext cx="10515600" cy="869315"/>
+          </a:xfrm>
+        </p:spPr>
+        <p:txBody>
+          <a:bodyPr>
+            <a:normAutofit/>
+          </a:bodyPr>
+          <a:lstStyle/>
+          <a:p>
+            <a:r>
+              <a:rPr lang="en-CH" sz="5400" dirty="0">
+                <a:latin typeface="+mn-lt"/>
+              </a:rPr>
+              <a:t>AWS ADS </a:t>
+            </a:r>
+            <a:r>
+              <a:rPr lang="en-GB" sz="5400" dirty="0">
+                <a:latin typeface="+mn-lt"/>
+              </a:rPr>
+              <a:t>A</a:t>
+            </a:r>
+            <a:r>
+              <a:rPr lang="en-GB" sz="5400" i="0" dirty="0">
+                <a:effectLst/>
+                <a:latin typeface="+mn-lt"/>
+              </a:rPr>
+              <a:t>gent-based models</a:t>
+            </a:r>
+            <a:endParaRPr lang="en-CH" sz="5400" dirty="0"/>
+          </a:p>
+        </p:txBody>
+      </p:sp>
+      <p:sp>
+        <p:nvSpPr>
+          <p:cNvPr id="10" name="sketch line">
+            <a:extLst>
+              <a:ext uri="{FF2B5EF4-FFF2-40B4-BE49-F238E27FC236}">
+                <a16:creationId xmlns:a16="http://schemas.microsoft.com/office/drawing/2014/main" id="{DB17E863-922E-4C26-BD64-E8FD41D28661}"/>
+              </a:ext>
+              <a:ext uri="{C183D7F6-B498-43B3-948B-1728B52AA6E4}">
+                <adec:decorative xmlns:adec="http://schemas.microsoft.com/office/drawing/2017/decorative" val="1"/>
+              </a:ext>
+            </a:extLst>
+          </p:cNvPr>
+          <p:cNvSpPr>
+            <a:spLocks noGrp="1" noRot="1" noChangeAspect="1" noMove="1" noResize="1" noEditPoints="1" noAdjustHandles="1" noChangeArrowheads="1" noChangeShapeType="1" noTextEdit="1"/>
+          </p:cNvSpPr>
+          <p:nvPr>
+            <p:extLst>
+              <p:ext uri="{386F3935-93C4-4BCD-93E2-E3B085C9AB24}">
+                <p16:designElem xmlns:p16="http://schemas.microsoft.com/office/powerpoint/2015/main" val="1"/>
+              </p:ext>
+            </p:extLst>
+          </p:nvPr>
+        </p:nvSpPr>
+        <p:spPr>
+          <a:xfrm>
+            <a:off x="669036" y="1677373"/>
+            <a:ext cx="10853928" cy="18288"/>
+          </a:xfrm>
+          <a:custGeom>
+            <a:avLst/>
+            <a:gdLst>
+              <a:gd name="connsiteX0" fmla="*/ 0 w 10853928"/>
+              <a:gd name="connsiteY0" fmla="*/ 0 h 18288"/>
+              <a:gd name="connsiteX1" fmla="*/ 461292 w 10853928"/>
+              <a:gd name="connsiteY1" fmla="*/ 0 h 18288"/>
+              <a:gd name="connsiteX2" fmla="*/ 1139662 w 10853928"/>
+              <a:gd name="connsiteY2" fmla="*/ 0 h 18288"/>
+              <a:gd name="connsiteX3" fmla="*/ 1926572 w 10853928"/>
+              <a:gd name="connsiteY3" fmla="*/ 0 h 18288"/>
+              <a:gd name="connsiteX4" fmla="*/ 2279325 w 10853928"/>
+              <a:gd name="connsiteY4" fmla="*/ 0 h 18288"/>
+              <a:gd name="connsiteX5" fmla="*/ 2632078 w 10853928"/>
+              <a:gd name="connsiteY5" fmla="*/ 0 h 18288"/>
+              <a:gd name="connsiteX6" fmla="*/ 3527527 w 10853928"/>
+              <a:gd name="connsiteY6" fmla="*/ 0 h 18288"/>
+              <a:gd name="connsiteX7" fmla="*/ 4205897 w 10853928"/>
+              <a:gd name="connsiteY7" fmla="*/ 0 h 18288"/>
+              <a:gd name="connsiteX8" fmla="*/ 4558650 w 10853928"/>
+              <a:gd name="connsiteY8" fmla="*/ 0 h 18288"/>
+              <a:gd name="connsiteX9" fmla="*/ 5237020 w 10853928"/>
+              <a:gd name="connsiteY9" fmla="*/ 0 h 18288"/>
+              <a:gd name="connsiteX10" fmla="*/ 6132469 w 10853928"/>
+              <a:gd name="connsiteY10" fmla="*/ 0 h 18288"/>
+              <a:gd name="connsiteX11" fmla="*/ 6702301 w 10853928"/>
+              <a:gd name="connsiteY11" fmla="*/ 0 h 18288"/>
+              <a:gd name="connsiteX12" fmla="*/ 7272132 w 10853928"/>
+              <a:gd name="connsiteY12" fmla="*/ 0 h 18288"/>
+              <a:gd name="connsiteX13" fmla="*/ 7950502 w 10853928"/>
+              <a:gd name="connsiteY13" fmla="*/ 0 h 18288"/>
+              <a:gd name="connsiteX14" fmla="*/ 8737412 w 10853928"/>
+              <a:gd name="connsiteY14" fmla="*/ 0 h 18288"/>
+              <a:gd name="connsiteX15" fmla="*/ 9524322 w 10853928"/>
+              <a:gd name="connsiteY15" fmla="*/ 0 h 18288"/>
+              <a:gd name="connsiteX16" fmla="*/ 10853928 w 10853928"/>
+              <a:gd name="connsiteY16" fmla="*/ 0 h 18288"/>
+              <a:gd name="connsiteX17" fmla="*/ 10853928 w 10853928"/>
+              <a:gd name="connsiteY17" fmla="*/ 18288 h 18288"/>
+              <a:gd name="connsiteX18" fmla="*/ 10392636 w 10853928"/>
+              <a:gd name="connsiteY18" fmla="*/ 18288 h 18288"/>
+              <a:gd name="connsiteX19" fmla="*/ 9497187 w 10853928"/>
+              <a:gd name="connsiteY19" fmla="*/ 18288 h 18288"/>
+              <a:gd name="connsiteX20" fmla="*/ 8818817 w 10853928"/>
+              <a:gd name="connsiteY20" fmla="*/ 18288 h 18288"/>
+              <a:gd name="connsiteX21" fmla="*/ 8466064 w 10853928"/>
+              <a:gd name="connsiteY21" fmla="*/ 18288 h 18288"/>
+              <a:gd name="connsiteX22" fmla="*/ 7787693 w 10853928"/>
+              <a:gd name="connsiteY22" fmla="*/ 18288 h 18288"/>
+              <a:gd name="connsiteX23" fmla="*/ 7217862 w 10853928"/>
+              <a:gd name="connsiteY23" fmla="*/ 18288 h 18288"/>
+              <a:gd name="connsiteX24" fmla="*/ 6648031 w 10853928"/>
+              <a:gd name="connsiteY24" fmla="*/ 18288 h 18288"/>
+              <a:gd name="connsiteX25" fmla="*/ 6078200 w 10853928"/>
+              <a:gd name="connsiteY25" fmla="*/ 18288 h 18288"/>
+              <a:gd name="connsiteX26" fmla="*/ 5508368 w 10853928"/>
+              <a:gd name="connsiteY26" fmla="*/ 18288 h 18288"/>
+              <a:gd name="connsiteX27" fmla="*/ 4721459 w 10853928"/>
+              <a:gd name="connsiteY27" fmla="*/ 18288 h 18288"/>
+              <a:gd name="connsiteX28" fmla="*/ 4043088 w 10853928"/>
+              <a:gd name="connsiteY28" fmla="*/ 18288 h 18288"/>
+              <a:gd name="connsiteX29" fmla="*/ 3690336 w 10853928"/>
+              <a:gd name="connsiteY29" fmla="*/ 18288 h 18288"/>
+              <a:gd name="connsiteX30" fmla="*/ 3120504 w 10853928"/>
+              <a:gd name="connsiteY30" fmla="*/ 18288 h 18288"/>
+              <a:gd name="connsiteX31" fmla="*/ 2333595 w 10853928"/>
+              <a:gd name="connsiteY31" fmla="*/ 18288 h 18288"/>
+              <a:gd name="connsiteX32" fmla="*/ 1872303 w 10853928"/>
+              <a:gd name="connsiteY32" fmla="*/ 18288 h 18288"/>
+              <a:gd name="connsiteX33" fmla="*/ 976854 w 10853928"/>
+              <a:gd name="connsiteY33" fmla="*/ 18288 h 18288"/>
+              <a:gd name="connsiteX34" fmla="*/ 0 w 10853928"/>
+              <a:gd name="connsiteY34" fmla="*/ 18288 h 18288"/>
+              <a:gd name="connsiteX35" fmla="*/ 0 w 10853928"/>
+              <a:gd name="connsiteY35" fmla="*/ 0 h 18288"/>
+            </a:gdLst>
+            <a:ahLst/>
+            <a:cxnLst>
+              <a:cxn ang="0">
+                <a:pos x="connsiteX0" y="connsiteY0"/>
+              </a:cxn>
+              <a:cxn ang="0">
+                <a:pos x="connsiteX1" y="connsiteY1"/>
+              </a:cxn>
+              <a:cxn ang="0">
+                <a:pos x="connsiteX2" y="connsiteY2"/>
+              </a:cxn>
+              <a:cxn ang="0">
+                <a:pos x="connsiteX3" y="connsiteY3"/>
+              </a:cxn>
+              <a:cxn ang="0">
+                <a:pos x="connsiteX4" y="connsiteY4"/>
+              </a:cxn>
+              <a:cxn ang="0">
+                <a:pos x="connsiteX5" y="connsiteY5"/>
+              </a:cxn>
+              <a:cxn ang="0">
+                <a:pos x="connsiteX6" y="connsiteY6"/>
+              </a:cxn>
+              <a:cxn ang="0">
+                <a:pos x="connsiteX7" y="connsiteY7"/>
+              </a:cxn>
+              <a:cxn ang="0">
+                <a:pos x="connsiteX8" y="connsiteY8"/>
+              </a:cxn>
+              <a:cxn ang="0">
+                <a:pos x="connsiteX9" y="connsiteY9"/>
+              </a:cxn>
+              <a:cxn ang="0">
+                <a:pos x="connsiteX10" y="connsiteY10"/>
+              </a:cxn>
+              <a:cxn ang="0">
+                <a:pos x="connsiteX11" y="connsiteY11"/>
+              </a:cxn>
+              <a:cxn ang="0">
+                <a:pos x="connsiteX12" y="connsiteY12"/>
+              </a:cxn>
+              <a:cxn ang="0">
+                <a:pos x="connsiteX13" y="connsiteY13"/>
+              </a:cxn>
+              <a:cxn ang="0">
+                <a:pos x="connsiteX14" y="connsiteY14"/>
+              </a:cxn>
+              <a:cxn ang="0">
+                <a:pos x="connsiteX15" y="connsiteY15"/>
+              </a:cxn>
+              <a:cxn ang="0">
+                <a:pos x="connsiteX16" y="connsiteY16"/>
+              </a:cxn>
+              <a:cxn ang="0">
+                <a:pos x="connsiteX17" y="connsiteY17"/>
+              </a:cxn>
+              <a:cxn ang="0">
+                <a:pos x="connsiteX18" y="connsiteY18"/>
+              </a:cxn>
+              <a:cxn ang="0">
+                <a:pos x="connsiteX19" y="connsiteY19"/>
+              </a:cxn>
+              <a:cxn ang="0">
+                <a:pos x="connsiteX20" y="connsiteY20"/>
+              </a:cxn>
+              <a:cxn ang="0">
+                <a:pos x="connsiteX21" y="connsiteY21"/>
+              </a:cxn>
+              <a:cxn ang="0">
+                <a:pos x="connsiteX22" y="connsiteY22"/>
+              </a:cxn>
+              <a:cxn ang="0">
+                <a:pos x="connsiteX23" y="connsiteY23"/>
+              </a:cxn>
+              <a:cxn ang="0">
+                <a:pos x="connsiteX24" y="connsiteY24"/>
+              </a:cxn>
+              <a:cxn ang="0">
+                <a:pos x="connsiteX25" y="connsiteY25"/>
+              </a:cxn>
+              <a:cxn ang="0">
+                <a:pos x="connsiteX26" y="connsiteY26"/>
+              </a:cxn>
+              <a:cxn ang="0">
+                <a:pos x="connsiteX27" y="connsiteY27"/>
+              </a:cxn>
+              <a:cxn ang="0">
+                <a:pos x="connsiteX28" y="connsiteY28"/>
+              </a:cxn>
+              <a:cxn ang="0">
+                <a:pos x="connsiteX29" y="connsiteY29"/>
+              </a:cxn>
+              <a:cxn ang="0">
+                <a:pos x="connsiteX30" y="connsiteY30"/>
+              </a:cxn>
+              <a:cxn ang="0">
+                <a:pos x="connsiteX31" y="connsiteY31"/>
+              </a:cxn>
+              <a:cxn ang="0">
+                <a:pos x="connsiteX32" y="connsiteY32"/>
+              </a:cxn>
+              <a:cxn ang="0">
+                <a:pos x="connsiteX33" y="connsiteY33"/>
+              </a:cxn>
+              <a:cxn ang="0">
+                <a:pos x="connsiteX34" y="connsiteY34"/>
+              </a:cxn>
+              <a:cxn ang="0">
+                <a:pos x="connsiteX35" y="connsiteY35"/>
+              </a:cxn>
+            </a:cxnLst>
+            <a:rect l="l" t="t" r="r" b="b"/>
+            <a:pathLst>
+              <a:path w="10853928" h="18288" fill="none" extrusionOk="0">
+                <a:moveTo>
+                  <a:pt x="0" y="0"/>
+                </a:moveTo>
+                <a:cubicBezTo>
+                  <a:pt x="146993" y="-19076"/>
+                  <a:pt x="347684" y="-4790"/>
+                  <a:pt x="461292" y="0"/>
+                </a:cubicBezTo>
+                <a:cubicBezTo>
+                  <a:pt x="574900" y="4790"/>
+                  <a:pt x="808367" y="19821"/>
+                  <a:pt x="1139662" y="0"/>
+                </a:cubicBezTo>
+                <a:cubicBezTo>
+                  <a:pt x="1470957" y="-19821"/>
+                  <a:pt x="1627405" y="5721"/>
+                  <a:pt x="1926572" y="0"/>
+                </a:cubicBezTo>
+                <a:cubicBezTo>
+                  <a:pt x="2225739" y="-5721"/>
+                  <a:pt x="2137730" y="-3235"/>
+                  <a:pt x="2279325" y="0"/>
+                </a:cubicBezTo>
+                <a:cubicBezTo>
+                  <a:pt x="2420920" y="3235"/>
+                  <a:pt x="2456518" y="9685"/>
+                  <a:pt x="2632078" y="0"/>
+                </a:cubicBezTo>
+                <a:cubicBezTo>
+                  <a:pt x="2807638" y="-9685"/>
+                  <a:pt x="3211516" y="-43007"/>
+                  <a:pt x="3527527" y="0"/>
+                </a:cubicBezTo>
+                <a:cubicBezTo>
+                  <a:pt x="3843538" y="43007"/>
+                  <a:pt x="4058833" y="22042"/>
+                  <a:pt x="4205897" y="0"/>
+                </a:cubicBezTo>
+                <a:cubicBezTo>
+                  <a:pt x="4352961" y="-22042"/>
+                  <a:pt x="4474805" y="-11846"/>
+                  <a:pt x="4558650" y="0"/>
+                </a:cubicBezTo>
+                <a:cubicBezTo>
+                  <a:pt x="4642495" y="11846"/>
+                  <a:pt x="5041928" y="-6069"/>
+                  <a:pt x="5237020" y="0"/>
+                </a:cubicBezTo>
+                <a:cubicBezTo>
+                  <a:pt x="5432112" y="6069"/>
+                  <a:pt x="5943266" y="-17479"/>
+                  <a:pt x="6132469" y="0"/>
+                </a:cubicBezTo>
+                <a:cubicBezTo>
+                  <a:pt x="6321672" y="17479"/>
+                  <a:pt x="6483872" y="26234"/>
+                  <a:pt x="6702301" y="0"/>
+                </a:cubicBezTo>
+                <a:cubicBezTo>
+                  <a:pt x="6920730" y="-26234"/>
+                  <a:pt x="6991194" y="-15156"/>
+                  <a:pt x="7272132" y="0"/>
+                </a:cubicBezTo>
+                <a:cubicBezTo>
+                  <a:pt x="7553070" y="15156"/>
+                  <a:pt x="7684444" y="-32961"/>
+                  <a:pt x="7950502" y="0"/>
+                </a:cubicBezTo>
+                <a:cubicBezTo>
+                  <a:pt x="8216560" y="32961"/>
+                  <a:pt x="8493290" y="-10491"/>
+                  <a:pt x="8737412" y="0"/>
+                </a:cubicBezTo>
+                <a:cubicBezTo>
+                  <a:pt x="8981534" y="10491"/>
+                  <a:pt x="9191586" y="-13899"/>
+                  <a:pt x="9524322" y="0"/>
+                </a:cubicBezTo>
+                <a:cubicBezTo>
+                  <a:pt x="9857058" y="13899"/>
+                  <a:pt x="10297509" y="7485"/>
+                  <a:pt x="10853928" y="0"/>
+                </a:cubicBezTo>
+                <a:cubicBezTo>
+                  <a:pt x="10854574" y="4451"/>
+                  <a:pt x="10854418" y="9226"/>
+                  <a:pt x="10853928" y="18288"/>
+                </a:cubicBezTo>
+                <a:cubicBezTo>
+                  <a:pt x="10691638" y="28522"/>
+                  <a:pt x="10574319" y="29578"/>
+                  <a:pt x="10392636" y="18288"/>
+                </a:cubicBezTo>
+                <a:cubicBezTo>
+                  <a:pt x="10210953" y="6998"/>
+                  <a:pt x="9836277" y="-16742"/>
+                  <a:pt x="9497187" y="18288"/>
+                </a:cubicBezTo>
+                <a:cubicBezTo>
+                  <a:pt x="9158097" y="53318"/>
+                  <a:pt x="9119479" y="30714"/>
+                  <a:pt x="8818817" y="18288"/>
+                </a:cubicBezTo>
+                <a:cubicBezTo>
+                  <a:pt x="8518155" y="5863"/>
+                  <a:pt x="8640037" y="6483"/>
+                  <a:pt x="8466064" y="18288"/>
+                </a:cubicBezTo>
+                <a:cubicBezTo>
+                  <a:pt x="8292091" y="30093"/>
+                  <a:pt x="7997656" y="18914"/>
+                  <a:pt x="7787693" y="18288"/>
+                </a:cubicBezTo>
+                <a:cubicBezTo>
+                  <a:pt x="7577730" y="17662"/>
+                  <a:pt x="7412468" y="21416"/>
+                  <a:pt x="7217862" y="18288"/>
+                </a:cubicBezTo>
+                <a:cubicBezTo>
+                  <a:pt x="7023256" y="15160"/>
+                  <a:pt x="6898018" y="14824"/>
+                  <a:pt x="6648031" y="18288"/>
+                </a:cubicBezTo>
+                <a:cubicBezTo>
+                  <a:pt x="6398044" y="21752"/>
+                  <a:pt x="6254402" y="38625"/>
+                  <a:pt x="6078200" y="18288"/>
+                </a:cubicBezTo>
+                <a:cubicBezTo>
+                  <a:pt x="5901998" y="-2049"/>
+                  <a:pt x="5622886" y="3213"/>
+                  <a:pt x="5508368" y="18288"/>
+                </a:cubicBezTo>
+                <a:cubicBezTo>
+                  <a:pt x="5393850" y="33363"/>
+                  <a:pt x="5036260" y="26830"/>
+                  <a:pt x="4721459" y="18288"/>
+                </a:cubicBezTo>
+                <a:cubicBezTo>
+                  <a:pt x="4406658" y="9746"/>
+                  <a:pt x="4239221" y="41551"/>
+                  <a:pt x="4043088" y="18288"/>
+                </a:cubicBezTo>
+                <a:cubicBezTo>
+                  <a:pt x="3846955" y="-4975"/>
+                  <a:pt x="3818802" y="34658"/>
+                  <a:pt x="3690336" y="18288"/>
+                </a:cubicBezTo>
+                <a:cubicBezTo>
+                  <a:pt x="3561870" y="1918"/>
+                  <a:pt x="3265491" y="42194"/>
+                  <a:pt x="3120504" y="18288"/>
+                </a:cubicBezTo>
+                <a:cubicBezTo>
+                  <a:pt x="2975517" y="-5618"/>
+                  <a:pt x="2720254" y="36673"/>
+                  <a:pt x="2333595" y="18288"/>
+                </a:cubicBezTo>
+                <a:cubicBezTo>
+                  <a:pt x="1946936" y="-97"/>
+                  <a:pt x="2097241" y="5776"/>
+                  <a:pt x="1872303" y="18288"/>
+                </a:cubicBezTo>
+                <a:cubicBezTo>
+                  <a:pt x="1647365" y="30800"/>
+                  <a:pt x="1282708" y="45380"/>
+                  <a:pt x="976854" y="18288"/>
+                </a:cubicBezTo>
+                <a:cubicBezTo>
+                  <a:pt x="671000" y="-8804"/>
+                  <a:pt x="408401" y="-12775"/>
+                  <a:pt x="0" y="18288"/>
+                </a:cubicBezTo>
+                <a:cubicBezTo>
+                  <a:pt x="-213" y="9468"/>
+                  <a:pt x="187" y="4459"/>
+                  <a:pt x="0" y="0"/>
+                </a:cubicBezTo>
+                <a:close/>
+              </a:path>
+              <a:path w="10853928" h="18288" stroke="0" extrusionOk="0">
+                <a:moveTo>
+                  <a:pt x="0" y="0"/>
+                </a:moveTo>
+                <a:cubicBezTo>
+                  <a:pt x="267322" y="15284"/>
+                  <a:pt x="415388" y="-21048"/>
+                  <a:pt x="569831" y="0"/>
+                </a:cubicBezTo>
+                <a:cubicBezTo>
+                  <a:pt x="724274" y="21048"/>
+                  <a:pt x="769333" y="-2353"/>
+                  <a:pt x="922584" y="0"/>
+                </a:cubicBezTo>
+                <a:cubicBezTo>
+                  <a:pt x="1075835" y="2353"/>
+                  <a:pt x="1399490" y="-145"/>
+                  <a:pt x="1818033" y="0"/>
+                </a:cubicBezTo>
+                <a:cubicBezTo>
+                  <a:pt x="2236576" y="145"/>
+                  <a:pt x="2145330" y="5482"/>
+                  <a:pt x="2387864" y="0"/>
+                </a:cubicBezTo>
+                <a:cubicBezTo>
+                  <a:pt x="2630398" y="-5482"/>
+                  <a:pt x="2793207" y="18487"/>
+                  <a:pt x="2957695" y="0"/>
+                </a:cubicBezTo>
+                <a:cubicBezTo>
+                  <a:pt x="3122183" y="-18487"/>
+                  <a:pt x="3579141" y="19003"/>
+                  <a:pt x="3853144" y="0"/>
+                </a:cubicBezTo>
+                <a:cubicBezTo>
+                  <a:pt x="4127147" y="-19003"/>
+                  <a:pt x="4209857" y="12211"/>
+                  <a:pt x="4314436" y="0"/>
+                </a:cubicBezTo>
+                <a:cubicBezTo>
+                  <a:pt x="4419015" y="-12211"/>
+                  <a:pt x="4762459" y="-17220"/>
+                  <a:pt x="5209885" y="0"/>
+                </a:cubicBezTo>
+                <a:cubicBezTo>
+                  <a:pt x="5657311" y="17220"/>
+                  <a:pt x="5692663" y="-3290"/>
+                  <a:pt x="6105335" y="0"/>
+                </a:cubicBezTo>
+                <a:cubicBezTo>
+                  <a:pt x="6518007" y="3290"/>
+                  <a:pt x="6455516" y="-5124"/>
+                  <a:pt x="6783705" y="0"/>
+                </a:cubicBezTo>
+                <a:cubicBezTo>
+                  <a:pt x="7111894" y="5124"/>
+                  <a:pt x="7441941" y="-17829"/>
+                  <a:pt x="7679154" y="0"/>
+                </a:cubicBezTo>
+                <a:cubicBezTo>
+                  <a:pt x="7916367" y="17829"/>
+                  <a:pt x="8102967" y="-24363"/>
+                  <a:pt x="8248985" y="0"/>
+                </a:cubicBezTo>
+                <a:cubicBezTo>
+                  <a:pt x="8395003" y="24363"/>
+                  <a:pt x="8552393" y="25505"/>
+                  <a:pt x="8818817" y="0"/>
+                </a:cubicBezTo>
+                <a:cubicBezTo>
+                  <a:pt x="9085241" y="-25505"/>
+                  <a:pt x="9411308" y="38000"/>
+                  <a:pt x="9605726" y="0"/>
+                </a:cubicBezTo>
+                <a:cubicBezTo>
+                  <a:pt x="9800144" y="-38000"/>
+                  <a:pt x="10006468" y="-25741"/>
+                  <a:pt x="10175558" y="0"/>
+                </a:cubicBezTo>
+                <a:cubicBezTo>
+                  <a:pt x="10344648" y="25741"/>
+                  <a:pt x="10696282" y="695"/>
+                  <a:pt x="10853928" y="0"/>
+                </a:cubicBezTo>
+                <a:cubicBezTo>
+                  <a:pt x="10853521" y="8690"/>
+                  <a:pt x="10853774" y="14141"/>
+                  <a:pt x="10853928" y="18288"/>
+                </a:cubicBezTo>
+                <a:cubicBezTo>
+                  <a:pt x="10608124" y="24255"/>
+                  <a:pt x="10343415" y="22307"/>
+                  <a:pt x="10067018" y="18288"/>
+                </a:cubicBezTo>
+                <a:cubicBezTo>
+                  <a:pt x="9790621" y="14270"/>
+                  <a:pt x="9843266" y="3564"/>
+                  <a:pt x="9714266" y="18288"/>
+                </a:cubicBezTo>
+                <a:cubicBezTo>
+                  <a:pt x="9585266" y="33012"/>
+                  <a:pt x="9379484" y="1875"/>
+                  <a:pt x="9252974" y="18288"/>
+                </a:cubicBezTo>
+                <a:cubicBezTo>
+                  <a:pt x="9126464" y="34701"/>
+                  <a:pt x="8580678" y="-4904"/>
+                  <a:pt x="8357525" y="18288"/>
+                </a:cubicBezTo>
+                <a:cubicBezTo>
+                  <a:pt x="8134372" y="41480"/>
+                  <a:pt x="7903199" y="26458"/>
+                  <a:pt x="7679154" y="18288"/>
+                </a:cubicBezTo>
+                <a:cubicBezTo>
+                  <a:pt x="7455109" y="10118"/>
+                  <a:pt x="7435944" y="27109"/>
+                  <a:pt x="7217862" y="18288"/>
+                </a:cubicBezTo>
+                <a:cubicBezTo>
+                  <a:pt x="6999780" y="9467"/>
+                  <a:pt x="6680409" y="18985"/>
+                  <a:pt x="6539492" y="18288"/>
+                </a:cubicBezTo>
+                <a:cubicBezTo>
+                  <a:pt x="6398575" y="17592"/>
+                  <a:pt x="6312077" y="33018"/>
+                  <a:pt x="6186739" y="18288"/>
+                </a:cubicBezTo>
+                <a:cubicBezTo>
+                  <a:pt x="6061401" y="3558"/>
+                  <a:pt x="5947033" y="12075"/>
+                  <a:pt x="5833986" y="18288"/>
+                </a:cubicBezTo>
+                <a:cubicBezTo>
+                  <a:pt x="5720939" y="24501"/>
+                  <a:pt x="5482226" y="8586"/>
+                  <a:pt x="5155616" y="18288"/>
+                </a:cubicBezTo>
+                <a:cubicBezTo>
+                  <a:pt x="4829006" y="27991"/>
+                  <a:pt x="4841274" y="29316"/>
+                  <a:pt x="4694324" y="18288"/>
+                </a:cubicBezTo>
+                <a:cubicBezTo>
+                  <a:pt x="4547374" y="7260"/>
+                  <a:pt x="4077675" y="7013"/>
+                  <a:pt x="3907414" y="18288"/>
+                </a:cubicBezTo>
+                <a:cubicBezTo>
+                  <a:pt x="3737153" y="29564"/>
+                  <a:pt x="3538393" y="21630"/>
+                  <a:pt x="3446122" y="18288"/>
+                </a:cubicBezTo>
+                <a:cubicBezTo>
+                  <a:pt x="3353851" y="14946"/>
+                  <a:pt x="2990320" y="-8091"/>
+                  <a:pt x="2659212" y="18288"/>
+                </a:cubicBezTo>
+                <a:cubicBezTo>
+                  <a:pt x="2328104" y="44667"/>
+                  <a:pt x="2427653" y="9607"/>
+                  <a:pt x="2306460" y="18288"/>
+                </a:cubicBezTo>
+                <a:cubicBezTo>
+                  <a:pt x="2185267" y="26969"/>
+                  <a:pt x="1719763" y="3717"/>
+                  <a:pt x="1519550" y="18288"/>
+                </a:cubicBezTo>
+                <a:cubicBezTo>
+                  <a:pt x="1319337" y="32860"/>
+                  <a:pt x="1167371" y="17040"/>
+                  <a:pt x="1058258" y="18288"/>
+                </a:cubicBezTo>
+                <a:cubicBezTo>
+                  <a:pt x="949145" y="19536"/>
+                  <a:pt x="780234" y="31447"/>
+                  <a:pt x="705505" y="18288"/>
+                </a:cubicBezTo>
+                <a:cubicBezTo>
+                  <a:pt x="630776" y="5129"/>
+                  <a:pt x="215796" y="30056"/>
+                  <a:pt x="0" y="18288"/>
+                </a:cubicBezTo>
+                <a:cubicBezTo>
+                  <a:pt x="-53" y="11301"/>
+                  <a:pt x="-649" y="7756"/>
+                  <a:pt x="0" y="0"/>
+                </a:cubicBezTo>
+                <a:close/>
+              </a:path>
+            </a:pathLst>
+          </a:custGeom>
+          <a:solidFill>
+            <a:schemeClr val="accent2"/>
+          </a:solidFill>
+          <a:ln w="41275" cap="rnd">
+            <a:solidFill>
+              <a:schemeClr val="accent2"/>
+            </a:solidFill>
+            <a:round/>
+            <a:extLst>
+              <a:ext uri="{C807C97D-BFC1-408E-A445-0C87EB9F89A2}">
+                <ask:lineSketchStyleProps xmlns:ask="http://schemas.microsoft.com/office/drawing/2018/sketchyshapes" sd="1219033472">
+                  <a:prstGeom prst="rect">
+                    <a:avLst/>
+                  </a:prstGeom>
+                  <ask:type>
+                    <ask:lineSketchFreehand/>
+                  </ask:type>
+                </ask:lineSketchStyleProps>
+              </a:ext>
+            </a:extLst>
+          </a:ln>
+        </p:spPr>
+        <p:style>
+          <a:lnRef idx="2">
+            <a:schemeClr val="accent1">
+              <a:shade val="50000"/>
+            </a:schemeClr>
+          </a:lnRef>
+          <a:fillRef idx="1">
+            <a:schemeClr val="accent1"/>
+          </a:fillRef>
+          <a:effectRef idx="0">
+            <a:schemeClr val="accent1"/>
+          </a:effectRef>
+          <a:fontRef idx="minor">
+            <a:schemeClr val="lt1"/>
+          </a:fontRef>
+        </p:style>
+        <p:txBody>
+          <a:bodyPr rtlCol="0" anchor="ctr"/>
+          <a:lstStyle/>
+          <a:p>
+            <a:pPr algn="ctr"/>
+            <a:endParaRPr lang="en-US"/>
+          </a:p>
+        </p:txBody>
+      </p:sp>
+      <p:sp>
+        <p:nvSpPr>
+          <p:cNvPr id="9" name="Content Placeholder 2">
+            <a:extLst>
+              <a:ext uri="{FF2B5EF4-FFF2-40B4-BE49-F238E27FC236}">
+                <a16:creationId xmlns:a16="http://schemas.microsoft.com/office/drawing/2014/main" id="{7BE2F9E8-ADF1-730E-A8CF-FAA50B8651F7}"/>
+              </a:ext>
+            </a:extLst>
+          </p:cNvPr>
+          <p:cNvSpPr>
+            <a:spLocks noGrp="1"/>
+          </p:cNvSpPr>
+          <p:nvPr>
+            <p:ph idx="1"/>
+          </p:nvPr>
+        </p:nvSpPr>
+        <p:spPr>
+          <a:xfrm>
+            <a:off x="838200" y="1826290"/>
+            <a:ext cx="10515600" cy="4928617"/>
+          </a:xfrm>
+        </p:spPr>
+        <p:txBody>
+          <a:bodyPr>
+            <a:noAutofit/>
+          </a:bodyPr>
+          <a:lstStyle/>
+          <a:p>
+            <a:r>
+              <a:rPr lang="en-GB" sz="1600" dirty="0">
+                <a:effectLst/>
+                <a:highlight>
+                  <a:srgbClr val="FFFF00"/>
+                </a:highlight>
+              </a:rPr>
+              <a:t>Agent-based </a:t>
+            </a:r>
+            <a:r>
+              <a:rPr lang="en-GB" sz="1600" dirty="0">
+                <a:effectLst/>
+              </a:rPr>
+              <a:t>discovery </a:t>
+            </a:r>
+            <a:r>
+              <a:rPr lang="en-GB" sz="1600" dirty="0">
+                <a:effectLst/>
+                <a:highlight>
+                  <a:srgbClr val="FFFF00"/>
+                </a:highlight>
+              </a:rPr>
+              <a:t>requires a user to install the AWS Application Discovery agent </a:t>
+            </a:r>
+            <a:r>
+              <a:rPr lang="en-GB" sz="1600" dirty="0">
+                <a:effectLst/>
+              </a:rPr>
+              <a:t>onto its host servers or VMs, but collects a higher level of data, such as data related to network connections, compared to the agentless models. </a:t>
+            </a:r>
+          </a:p>
+          <a:p>
+            <a:r>
+              <a:rPr lang="en-GB" sz="1600" dirty="0">
+                <a:effectLst/>
+              </a:rPr>
+              <a:t>Amazon encrypts the data that its agents collect an Application Discovery Service data store. </a:t>
+            </a:r>
+          </a:p>
+          <a:p>
+            <a:r>
+              <a:rPr lang="en-GB" sz="1600" dirty="0">
+                <a:effectLst/>
+              </a:rPr>
+              <a:t>Agent-based discovery limits a user to 1,000 active hosts, 10,000 inactive hosts, 10 GB of data per day and 90 days of data storage.</a:t>
+            </a:r>
+          </a:p>
+          <a:p>
+            <a:r>
+              <a:rPr lang="en-GB" sz="1600" dirty="0">
+                <a:effectLst/>
+              </a:rPr>
+              <a:t>Agent-based discovery is compatible with the following operating systems:</a:t>
+            </a:r>
+          </a:p>
+          <a:p>
+            <a:pPr lvl="1"/>
+            <a:r>
+              <a:rPr lang="en-GB" sz="1600" dirty="0">
+                <a:effectLst/>
+              </a:rPr>
+              <a:t>Amazon Linux 2012.03 or newer;</a:t>
+            </a:r>
+          </a:p>
+          <a:p>
+            <a:pPr lvl="1"/>
+            <a:r>
+              <a:rPr lang="en-GB" sz="1600" dirty="0">
+                <a:effectLst/>
+              </a:rPr>
+              <a:t>Ubuntu 12.04 or newer;</a:t>
+            </a:r>
+          </a:p>
+          <a:p>
+            <a:pPr lvl="1"/>
+            <a:r>
+              <a:rPr lang="en-GB" sz="1600" dirty="0">
+                <a:effectLst/>
+              </a:rPr>
+              <a:t>RHEL 5.11 or newer;</a:t>
+            </a:r>
+          </a:p>
+          <a:p>
+            <a:pPr lvl="1"/>
+            <a:r>
+              <a:rPr lang="en-GB" sz="1600" dirty="0">
+                <a:effectLst/>
+              </a:rPr>
+              <a:t>CentOS 5.11 or newer;</a:t>
+            </a:r>
+          </a:p>
+          <a:p>
+            <a:pPr lvl="1"/>
+            <a:r>
+              <a:rPr lang="en-GB" sz="1600" dirty="0">
+                <a:effectLst/>
+              </a:rPr>
+              <a:t>SUSE 11 with service pack 4 or newer;</a:t>
+            </a:r>
+          </a:p>
+          <a:p>
+            <a:pPr lvl="1"/>
+            <a:r>
+              <a:rPr lang="en-GB" sz="1600" dirty="0">
+                <a:effectLst/>
+              </a:rPr>
+              <a:t>Windows Server 2003 R2;</a:t>
+            </a:r>
+          </a:p>
+          <a:p>
+            <a:pPr lvl="1"/>
+            <a:r>
+              <a:rPr lang="en-GB" sz="1600" dirty="0">
+                <a:effectLst/>
+              </a:rPr>
+              <a:t>Windows Server 2008 R1 SP2 or R2 SP1;</a:t>
+            </a:r>
+          </a:p>
+          <a:p>
+            <a:pPr lvl="1"/>
+            <a:r>
+              <a:rPr lang="en-GB" sz="1600" dirty="0">
+                <a:effectLst/>
+              </a:rPr>
+              <a:t>Windows Server 2012 R1 or R2;</a:t>
+            </a:r>
+          </a:p>
+          <a:p>
+            <a:pPr lvl="1"/>
+            <a:r>
+              <a:rPr lang="en-GB" sz="1600" dirty="0">
+                <a:effectLst/>
+              </a:rPr>
+              <a:t>Windows Server 2016.</a:t>
+            </a:r>
+          </a:p>
+          <a:p>
+            <a:r>
+              <a:rPr lang="en-GB" sz="1600" dirty="0">
+                <a:effectLst/>
+              </a:rPr>
+              <a:t>Agent-based discovery works in VMware and non-virtualized environments. Users can also choose to run both the agent-based and agentless modes simultaneously on their infrastructure.</a:t>
+            </a:r>
+          </a:p>
+          <a:p>
+            <a:pPr marL="0" indent="0">
+              <a:buNone/>
+            </a:pPr>
+            <a:endParaRPr lang="en-CH" sz="1600" dirty="0"/>
+          </a:p>
+        </p:txBody>
+      </p:sp>
+    </p:spTree>
+    <p:extLst>
+      <p:ext uri="{BB962C8B-B14F-4D97-AF65-F5344CB8AC3E}">
+        <p14:creationId xmlns:p14="http://schemas.microsoft.com/office/powerpoint/2010/main" val="1488885522"/>
+      </p:ext>
+    </p:extLst>
+  </p:cSld>
+  <p:clrMapOvr>
+    <a:masterClrMapping/>
+  </p:clrMapOvr>
+</p:sld>
+</file>
+
+<file path=ppt/slides/slide11.xml><?xml version="1.0" encoding="utf-8"?>
+<p:sld xmlns:a="http://schemas.openxmlformats.org/drawingml/2006/main" xmlns:r="http://schemas.openxmlformats.org/officeDocument/2006/relationships" xmlns:p="http://schemas.openxmlformats.org/presentationml/2006/main">
+  <p:cSld>
+    <p:bg>
+      <p:bgPr>
+        <a:solidFill>
+          <a:schemeClr val="bg1"/>
+        </a:solidFill>
+        <a:effectLst/>
+      </p:bgPr>
+    </p:bg>
+    <p:spTree>
+      <p:nvGrpSpPr>
+        <p:cNvPr id="1" name=""/>
+        <p:cNvGrpSpPr/>
+        <p:nvPr/>
+      </p:nvGrpSpPr>
+      <p:grpSpPr>
+        <a:xfrm>
+          <a:off x="0" y="0"/>
+          <a:ext cx="0" cy="0"/>
+          <a:chOff x="0" y="0"/>
+          <a:chExt cx="0" cy="0"/>
+        </a:xfrm>
+      </p:grpSpPr>
+      <p:sp useBgFill="1">
+        <p:nvSpPr>
           <p:cNvPr id="4103" name="Rectangle 4102">
             <a:extLst>
               <a:ext uri="{FF2B5EF4-FFF2-40B4-BE49-F238E27FC236}">
@@ -8753,7 +9721,774 @@
 </p:sld>
 </file>
 
-<file path=ppt/slides/slide11.xml><?xml version="1.0" encoding="utf-8"?>
+<file path=ppt/slides/slide12.xml><?xml version="1.0" encoding="utf-8"?>
+<p:sld xmlns:a="http://schemas.openxmlformats.org/drawingml/2006/main" xmlns:r="http://schemas.openxmlformats.org/officeDocument/2006/relationships" xmlns:p="http://schemas.openxmlformats.org/presentationml/2006/main">
+  <p:cSld>
+    <p:spTree>
+      <p:nvGrpSpPr>
+        <p:cNvPr id="1" name=""/>
+        <p:cNvGrpSpPr/>
+        <p:nvPr/>
+      </p:nvGrpSpPr>
+      <p:grpSpPr>
+        <a:xfrm>
+          <a:off x="0" y="0"/>
+          <a:ext cx="0" cy="0"/>
+          <a:chOff x="0" y="0"/>
+          <a:chExt cx="0" cy="0"/>
+        </a:xfrm>
+      </p:grpSpPr>
+      <p:sp>
+        <p:nvSpPr>
+          <p:cNvPr id="2" name="Title 1">
+            <a:extLst>
+              <a:ext uri="{FF2B5EF4-FFF2-40B4-BE49-F238E27FC236}">
+                <a16:creationId xmlns:a16="http://schemas.microsoft.com/office/drawing/2014/main" id="{3519CB08-2B67-3622-80E1-7FD4426FABDB}"/>
+              </a:ext>
+            </a:extLst>
+          </p:cNvPr>
+          <p:cNvSpPr>
+            <a:spLocks noGrp="1"/>
+          </p:cNvSpPr>
+          <p:nvPr>
+            <p:ph type="title"/>
+          </p:nvPr>
+        </p:nvSpPr>
+        <p:spPr/>
+        <p:txBody>
+          <a:bodyPr/>
+          <a:lstStyle/>
+          <a:p>
+            <a:r>
+              <a:rPr lang="en-CH" dirty="0"/>
+              <a:t>AWS Application Migration Service VS</a:t>
+            </a:r>
+            <a:br>
+              <a:rPr lang="en-CH" dirty="0"/>
+            </a:br>
+            <a:r>
+              <a:rPr lang="en-CH" dirty="0"/>
+              <a:t>AWS Application Discovery Service</a:t>
+            </a:r>
+          </a:p>
+        </p:txBody>
+      </p:sp>
+      <p:sp>
+        <p:nvSpPr>
+          <p:cNvPr id="3" name="Content Placeholder 2">
+            <a:extLst>
+              <a:ext uri="{FF2B5EF4-FFF2-40B4-BE49-F238E27FC236}">
+                <a16:creationId xmlns:a16="http://schemas.microsoft.com/office/drawing/2014/main" id="{1E659623-1E63-3501-CC8C-3E7988DD5EB2}"/>
+              </a:ext>
+            </a:extLst>
+          </p:cNvPr>
+          <p:cNvSpPr>
+            <a:spLocks noGrp="1"/>
+          </p:cNvSpPr>
+          <p:nvPr>
+            <p:ph idx="1"/>
+          </p:nvPr>
+        </p:nvSpPr>
+        <p:spPr>
+          <a:xfrm>
+            <a:off x="547531" y="1854279"/>
+            <a:ext cx="3697466" cy="4351338"/>
+          </a:xfrm>
+        </p:spPr>
+        <p:txBody>
+          <a:bodyPr>
+            <a:normAutofit/>
+          </a:bodyPr>
+          <a:lstStyle/>
+          <a:p>
+            <a:pPr algn="l">
+              <a:spcBef>
+                <a:spcPts val="200"/>
+              </a:spcBef>
+              <a:spcAft>
+                <a:spcPts val="200"/>
+              </a:spcAft>
+            </a:pPr>
+            <a:r>
+              <a:rPr lang="en-GB" sz="1050" b="1" i="0" dirty="0">
+                <a:effectLst/>
+              </a:rPr>
+              <a:t>AWS Application Discovery Service</a:t>
+            </a:r>
+          </a:p>
+          <a:p>
+            <a:pPr algn="l">
+              <a:spcBef>
+                <a:spcPts val="200"/>
+              </a:spcBef>
+              <a:spcAft>
+                <a:spcPts val="200"/>
+              </a:spcAft>
+            </a:pPr>
+            <a:r>
+              <a:rPr lang="en-GB" sz="1050" b="1" i="0" dirty="0">
+                <a:effectLst/>
+              </a:rPr>
+              <a:t>Purpose</a:t>
+            </a:r>
+            <a:r>
+              <a:rPr lang="en-GB" sz="1050" b="0" i="0" dirty="0">
+                <a:effectLst/>
+              </a:rPr>
+              <a:t>: </a:t>
+            </a:r>
+          </a:p>
+          <a:p>
+            <a:pPr algn="l">
+              <a:spcBef>
+                <a:spcPts val="200"/>
+              </a:spcBef>
+              <a:spcAft>
+                <a:spcPts val="200"/>
+              </a:spcAft>
+            </a:pPr>
+            <a:r>
+              <a:rPr lang="en-GB" sz="1050" b="0" i="0" dirty="0">
+                <a:effectLst/>
+              </a:rPr>
+              <a:t>The primary aim of AWS Application Discovery Service is to help enterprises better understand their on-premises, data </a:t>
+            </a:r>
+            <a:r>
+              <a:rPr lang="en-GB" sz="1050" b="0" i="0" dirty="0" err="1">
+                <a:effectLst/>
+              </a:rPr>
+              <a:t>center</a:t>
+            </a:r>
+            <a:r>
+              <a:rPr lang="en-GB" sz="1050" b="0" i="0" dirty="0">
+                <a:effectLst/>
+              </a:rPr>
+              <a:t> architectures before migrating to AWS. </a:t>
+            </a:r>
+          </a:p>
+          <a:p>
+            <a:pPr algn="l">
+              <a:spcBef>
+                <a:spcPts val="200"/>
+              </a:spcBef>
+              <a:spcAft>
+                <a:spcPts val="200"/>
+              </a:spcAft>
+            </a:pPr>
+            <a:r>
+              <a:rPr lang="en-GB" sz="1050" b="0" i="0" dirty="0">
+                <a:effectLst/>
+              </a:rPr>
+              <a:t>It provides detailed information about the IT infrastructure, including servers, applications, dependencies, and performance metrics.</a:t>
+            </a:r>
+          </a:p>
+          <a:p>
+            <a:pPr algn="l">
+              <a:spcBef>
+                <a:spcPts val="200"/>
+              </a:spcBef>
+              <a:spcAft>
+                <a:spcPts val="200"/>
+              </a:spcAft>
+            </a:pPr>
+            <a:r>
+              <a:rPr lang="en-GB" sz="1050" b="1" i="0" dirty="0">
+                <a:effectLst/>
+              </a:rPr>
+              <a:t>Functionality</a:t>
+            </a:r>
+            <a:r>
+              <a:rPr lang="en-GB" sz="1050" b="0" i="0" dirty="0">
+                <a:effectLst/>
+              </a:rPr>
+              <a:t>:</a:t>
+            </a:r>
+          </a:p>
+          <a:p>
+            <a:pPr algn="l">
+              <a:spcBef>
+                <a:spcPts val="200"/>
+              </a:spcBef>
+              <a:spcAft>
+                <a:spcPts val="200"/>
+              </a:spcAft>
+              <a:buFont typeface="Arial" panose="020B0604020202020204" pitchFamily="34" charset="0"/>
+              <a:buChar char="•"/>
+            </a:pPr>
+            <a:r>
+              <a:rPr lang="en-GB" sz="1050" b="1" i="0" dirty="0">
+                <a:effectLst/>
+              </a:rPr>
+              <a:t>Discovery</a:t>
+            </a:r>
+            <a:r>
+              <a:rPr lang="en-GB" sz="1050" b="0" i="0" dirty="0">
+                <a:effectLst/>
+              </a:rPr>
+              <a:t>: It automatically identifies servers, virtual machines, and applications running in the data </a:t>
+            </a:r>
+            <a:r>
+              <a:rPr lang="en-GB" sz="1050" b="0" i="0" dirty="0" err="1">
+                <a:effectLst/>
+              </a:rPr>
+              <a:t>center</a:t>
+            </a:r>
+            <a:r>
+              <a:rPr lang="en-GB" sz="1050" b="0" i="0" dirty="0">
+                <a:effectLst/>
+              </a:rPr>
+              <a:t>.</a:t>
+            </a:r>
+          </a:p>
+          <a:p>
+            <a:pPr algn="l">
+              <a:spcBef>
+                <a:spcPts val="200"/>
+              </a:spcBef>
+              <a:spcAft>
+                <a:spcPts val="200"/>
+              </a:spcAft>
+              <a:buFont typeface="Arial" panose="020B0604020202020204" pitchFamily="34" charset="0"/>
+              <a:buChar char="•"/>
+            </a:pPr>
+            <a:r>
+              <a:rPr lang="en-GB" sz="1050" b="1" i="0" dirty="0">
+                <a:effectLst/>
+              </a:rPr>
+              <a:t>Data Collection</a:t>
+            </a:r>
+            <a:r>
+              <a:rPr lang="en-GB" sz="1050" b="0" i="0" dirty="0">
+                <a:effectLst/>
+              </a:rPr>
+              <a:t>: It collects detailed information about the configuration, usage, and </a:t>
+            </a:r>
+            <a:r>
+              <a:rPr lang="en-GB" sz="1050" b="0" i="0" dirty="0" err="1">
+                <a:effectLst/>
+              </a:rPr>
+              <a:t>behavior</a:t>
+            </a:r>
+            <a:r>
+              <a:rPr lang="en-GB" sz="1050" b="0" i="0" dirty="0">
+                <a:effectLst/>
+              </a:rPr>
+              <a:t> of the applications and infrastructure.</a:t>
+            </a:r>
+          </a:p>
+          <a:p>
+            <a:pPr algn="l">
+              <a:spcBef>
+                <a:spcPts val="200"/>
+              </a:spcBef>
+              <a:spcAft>
+                <a:spcPts val="200"/>
+              </a:spcAft>
+              <a:buFont typeface="Arial" panose="020B0604020202020204" pitchFamily="34" charset="0"/>
+              <a:buChar char="•"/>
+            </a:pPr>
+            <a:r>
+              <a:rPr lang="en-GB" sz="1050" b="1" i="0" dirty="0">
+                <a:effectLst/>
+              </a:rPr>
+              <a:t>Dependency Mapping</a:t>
+            </a:r>
+            <a:r>
+              <a:rPr lang="en-GB" sz="1050" b="0" i="0" dirty="0">
+                <a:effectLst/>
+              </a:rPr>
+              <a:t>: It offers insights into how applications interact and depend on each other within the IT environment.</a:t>
+            </a:r>
+          </a:p>
+          <a:p>
+            <a:pPr algn="l">
+              <a:spcBef>
+                <a:spcPts val="200"/>
+              </a:spcBef>
+              <a:spcAft>
+                <a:spcPts val="200"/>
+              </a:spcAft>
+              <a:buFont typeface="Arial" panose="020B0604020202020204" pitchFamily="34" charset="0"/>
+              <a:buChar char="•"/>
+            </a:pPr>
+            <a:r>
+              <a:rPr lang="en-GB" sz="1050" b="1" i="0" dirty="0">
+                <a:effectLst/>
+              </a:rPr>
+              <a:t>Planning Support</a:t>
+            </a:r>
+            <a:r>
+              <a:rPr lang="en-GB" sz="1050" b="0" i="0" dirty="0">
+                <a:effectLst/>
+              </a:rPr>
+              <a:t>: The data collected and insights generated are crucial for planning migration projects, including estimating costs and identifying the best strategies for migration (such as rehosting, </a:t>
+            </a:r>
+            <a:r>
+              <a:rPr lang="en-GB" sz="1050" b="0" i="0" dirty="0" err="1">
+                <a:effectLst/>
+              </a:rPr>
+              <a:t>replatforming</a:t>
+            </a:r>
+            <a:r>
+              <a:rPr lang="en-GB" sz="1050" b="0" i="0" dirty="0">
+                <a:effectLst/>
+              </a:rPr>
+              <a:t>, or refactoring).</a:t>
+            </a:r>
+          </a:p>
+          <a:p>
+            <a:pPr algn="l">
+              <a:spcBef>
+                <a:spcPts val="200"/>
+              </a:spcBef>
+              <a:spcAft>
+                <a:spcPts val="200"/>
+              </a:spcAft>
+            </a:pPr>
+            <a:r>
+              <a:rPr lang="en-GB" sz="1050" b="1" i="0" dirty="0">
+                <a:effectLst/>
+              </a:rPr>
+              <a:t>Usage</a:t>
+            </a:r>
+            <a:r>
+              <a:rPr lang="en-GB" sz="1050" b="0" i="0" dirty="0">
+                <a:effectLst/>
+              </a:rPr>
+              <a:t>: This service is used in the initial phases of the migration journey, helping to assess and plan migrations effectively.</a:t>
+            </a:r>
+          </a:p>
+          <a:p>
+            <a:pPr>
+              <a:spcBef>
+                <a:spcPts val="200"/>
+              </a:spcBef>
+              <a:spcAft>
+                <a:spcPts val="200"/>
+              </a:spcAft>
+            </a:pPr>
+            <a:endParaRPr lang="en-CH" sz="1050" dirty="0"/>
+          </a:p>
+        </p:txBody>
+      </p:sp>
+      <p:sp>
+        <p:nvSpPr>
+          <p:cNvPr id="5" name="TextBox 4">
+            <a:extLst>
+              <a:ext uri="{FF2B5EF4-FFF2-40B4-BE49-F238E27FC236}">
+                <a16:creationId xmlns:a16="http://schemas.microsoft.com/office/drawing/2014/main" id="{2A8C3CA3-ECDD-5153-B7B9-892B8DC1A830}"/>
+              </a:ext>
+            </a:extLst>
+          </p:cNvPr>
+          <p:cNvSpPr txBox="1"/>
+          <p:nvPr/>
+        </p:nvSpPr>
+        <p:spPr>
+          <a:xfrm>
+            <a:off x="4589661" y="1854279"/>
+            <a:ext cx="3815552" cy="4219104"/>
+          </a:xfrm>
+          <a:prstGeom prst="rect">
+            <a:avLst/>
+          </a:prstGeom>
+          <a:noFill/>
+        </p:spPr>
+        <p:txBody>
+          <a:bodyPr wrap="square">
+            <a:spAutoFit/>
+          </a:bodyPr>
+          <a:lstStyle/>
+          <a:p>
+            <a:pPr algn="l">
+              <a:spcBef>
+                <a:spcPts val="200"/>
+              </a:spcBef>
+              <a:spcAft>
+                <a:spcPts val="200"/>
+              </a:spcAft>
+            </a:pPr>
+            <a:r>
+              <a:rPr lang="en-GB" sz="1050" b="1" i="0" dirty="0">
+                <a:effectLst/>
+              </a:rPr>
+              <a:t>AWS Application Migration Service (formerly known as AWS Server Migration Service)</a:t>
+            </a:r>
+          </a:p>
+          <a:p>
+            <a:pPr algn="l">
+              <a:spcBef>
+                <a:spcPts val="200"/>
+              </a:spcBef>
+              <a:spcAft>
+                <a:spcPts val="200"/>
+              </a:spcAft>
+            </a:pPr>
+            <a:r>
+              <a:rPr lang="en-GB" sz="1050" b="1" i="0" dirty="0">
+                <a:effectLst/>
+              </a:rPr>
+              <a:t>Purpose</a:t>
+            </a:r>
+            <a:r>
+              <a:rPr lang="en-GB" sz="1050" b="0" i="0" dirty="0">
+                <a:effectLst/>
+              </a:rPr>
+              <a:t>: </a:t>
+            </a:r>
+          </a:p>
+          <a:p>
+            <a:pPr algn="l">
+              <a:spcBef>
+                <a:spcPts val="200"/>
+              </a:spcBef>
+              <a:spcAft>
+                <a:spcPts val="200"/>
+              </a:spcAft>
+            </a:pPr>
+            <a:r>
+              <a:rPr lang="en-GB" sz="1050" b="0" i="0" dirty="0">
+                <a:effectLst/>
+              </a:rPr>
+              <a:t>The main goal of AWS Application Migration Service is to simplify and expedite the migration of applications, servers, and databases from on-premises or other cloud environments to AWS.</a:t>
+            </a:r>
+          </a:p>
+          <a:p>
+            <a:pPr algn="l">
+              <a:spcBef>
+                <a:spcPts val="200"/>
+              </a:spcBef>
+              <a:spcAft>
+                <a:spcPts val="200"/>
+              </a:spcAft>
+            </a:pPr>
+            <a:r>
+              <a:rPr lang="en-GB" sz="1050" b="1" i="0" dirty="0">
+                <a:effectLst/>
+              </a:rPr>
+              <a:t>Functionality</a:t>
+            </a:r>
+            <a:r>
+              <a:rPr lang="en-GB" sz="1050" b="0" i="0" dirty="0">
+                <a:effectLst/>
+              </a:rPr>
+              <a:t>:</a:t>
+            </a:r>
+          </a:p>
+          <a:p>
+            <a:pPr algn="l">
+              <a:spcBef>
+                <a:spcPts val="200"/>
+              </a:spcBef>
+              <a:spcAft>
+                <a:spcPts val="200"/>
+              </a:spcAft>
+              <a:buFont typeface="Arial" panose="020B0604020202020204" pitchFamily="34" charset="0"/>
+              <a:buChar char="•"/>
+            </a:pPr>
+            <a:r>
+              <a:rPr lang="en-GB" sz="1050" b="1" i="0" dirty="0">
+                <a:effectLst/>
+              </a:rPr>
+              <a:t>Migration</a:t>
+            </a:r>
+            <a:r>
+              <a:rPr lang="en-GB" sz="1050" b="0" i="0" dirty="0">
+                <a:effectLst/>
+              </a:rPr>
+              <a:t>: It automates the process of migrating servers and applications to AWS.</a:t>
+            </a:r>
+          </a:p>
+          <a:p>
+            <a:pPr algn="l">
+              <a:spcBef>
+                <a:spcPts val="200"/>
+              </a:spcBef>
+              <a:spcAft>
+                <a:spcPts val="200"/>
+              </a:spcAft>
+              <a:buFont typeface="Arial" panose="020B0604020202020204" pitchFamily="34" charset="0"/>
+              <a:buChar char="•"/>
+            </a:pPr>
+            <a:r>
+              <a:rPr lang="en-GB" sz="1050" b="1" i="0" dirty="0">
+                <a:effectLst/>
+              </a:rPr>
+              <a:t>Agentless and Agent-Based Options</a:t>
+            </a:r>
+            <a:r>
+              <a:rPr lang="en-GB" sz="1050" b="0" i="0" dirty="0">
+                <a:effectLst/>
+              </a:rPr>
+              <a:t>: Depending on the specific needs and source environment, it supports both agentless migrations (ideal for virtualized environments) and agent-based migrations.</a:t>
+            </a:r>
+          </a:p>
+          <a:p>
+            <a:pPr algn="l">
+              <a:spcBef>
+                <a:spcPts val="200"/>
+              </a:spcBef>
+              <a:spcAft>
+                <a:spcPts val="200"/>
+              </a:spcAft>
+              <a:buFont typeface="Arial" panose="020B0604020202020204" pitchFamily="34" charset="0"/>
+              <a:buChar char="•"/>
+            </a:pPr>
+            <a:r>
+              <a:rPr lang="en-GB" sz="1050" b="1" i="0" dirty="0">
+                <a:effectLst/>
+              </a:rPr>
+              <a:t>Multiple Migration Strategies</a:t>
+            </a:r>
+            <a:r>
+              <a:rPr lang="en-GB" sz="1050" b="0" i="0" dirty="0">
+                <a:effectLst/>
+              </a:rPr>
+              <a:t>: It supports various migration strategies, including lift-and-shift (rehosting), </a:t>
+            </a:r>
+            <a:r>
+              <a:rPr lang="en-GB" sz="1050" b="0" i="0" dirty="0" err="1">
+                <a:effectLst/>
+              </a:rPr>
+              <a:t>replatforming</a:t>
+            </a:r>
+            <a:r>
+              <a:rPr lang="en-GB" sz="1050" b="0" i="0" dirty="0">
+                <a:effectLst/>
+              </a:rPr>
+              <a:t>, and refactoring, providing flexibility in how applications are migrated to AWS.</a:t>
+            </a:r>
+          </a:p>
+          <a:p>
+            <a:pPr algn="l">
+              <a:spcBef>
+                <a:spcPts val="200"/>
+              </a:spcBef>
+              <a:spcAft>
+                <a:spcPts val="200"/>
+              </a:spcAft>
+              <a:buFont typeface="Arial" panose="020B0604020202020204" pitchFamily="34" charset="0"/>
+              <a:buChar char="•"/>
+            </a:pPr>
+            <a:r>
+              <a:rPr lang="en-GB" sz="1050" b="1" i="0" dirty="0">
+                <a:effectLst/>
+              </a:rPr>
+              <a:t>Integration and Testing</a:t>
+            </a:r>
+            <a:r>
+              <a:rPr lang="en-GB" sz="1050" b="0" i="0" dirty="0">
+                <a:effectLst/>
+              </a:rPr>
+              <a:t>: It integrates with AWS services and allows for testing of migrated applications before making them live.</a:t>
+            </a:r>
+          </a:p>
+          <a:p>
+            <a:pPr algn="l">
+              <a:spcBef>
+                <a:spcPts val="200"/>
+              </a:spcBef>
+              <a:spcAft>
+                <a:spcPts val="200"/>
+              </a:spcAft>
+            </a:pPr>
+            <a:r>
+              <a:rPr lang="en-GB" sz="1050" b="1" i="0" dirty="0">
+                <a:effectLst/>
+              </a:rPr>
+              <a:t>Usage</a:t>
+            </a:r>
+            <a:r>
+              <a:rPr lang="en-GB" sz="1050" b="0" i="0" dirty="0">
+                <a:effectLst/>
+              </a:rPr>
+              <a:t>: This service is utilized in the execution phase of the migration journey, where the actual migration of applications and workloads takes place.</a:t>
+            </a:r>
+          </a:p>
+        </p:txBody>
+      </p:sp>
+      <p:sp>
+        <p:nvSpPr>
+          <p:cNvPr id="7" name="TextBox 6">
+            <a:extLst>
+              <a:ext uri="{FF2B5EF4-FFF2-40B4-BE49-F238E27FC236}">
+                <a16:creationId xmlns:a16="http://schemas.microsoft.com/office/drawing/2014/main" id="{824E33AF-6B52-ED2B-6256-08E18B12F38F}"/>
+              </a:ext>
+            </a:extLst>
+          </p:cNvPr>
+          <p:cNvSpPr txBox="1"/>
+          <p:nvPr/>
+        </p:nvSpPr>
+        <p:spPr>
+          <a:xfrm>
+            <a:off x="8732217" y="1854279"/>
+            <a:ext cx="3353303" cy="2662267"/>
+          </a:xfrm>
+          <a:prstGeom prst="rect">
+            <a:avLst/>
+          </a:prstGeom>
+          <a:noFill/>
+        </p:spPr>
+        <p:txBody>
+          <a:bodyPr wrap="square">
+            <a:spAutoFit/>
+          </a:bodyPr>
+          <a:lstStyle/>
+          <a:p>
+            <a:pPr algn="l">
+              <a:spcBef>
+                <a:spcPts val="200"/>
+              </a:spcBef>
+              <a:spcAft>
+                <a:spcPts val="200"/>
+              </a:spcAft>
+            </a:pPr>
+            <a:r>
+              <a:rPr lang="en-GB" sz="1050" b="1" i="0" dirty="0">
+                <a:effectLst/>
+              </a:rPr>
+              <a:t>Key Differences</a:t>
+            </a:r>
+          </a:p>
+          <a:p>
+            <a:pPr algn="l">
+              <a:spcBef>
+                <a:spcPts val="200"/>
+              </a:spcBef>
+              <a:spcAft>
+                <a:spcPts val="200"/>
+              </a:spcAft>
+              <a:buFont typeface="Arial" panose="020B0604020202020204" pitchFamily="34" charset="0"/>
+              <a:buChar char="•"/>
+            </a:pPr>
+            <a:r>
+              <a:rPr lang="en-GB" sz="1050" b="1" i="0" dirty="0">
+                <a:effectLst/>
+              </a:rPr>
+              <a:t> Stage in Migration Process</a:t>
+            </a:r>
+            <a:r>
+              <a:rPr lang="en-GB" sz="1050" b="0" i="0" dirty="0">
+                <a:effectLst/>
+              </a:rPr>
+              <a:t>: </a:t>
+            </a:r>
+          </a:p>
+          <a:p>
+            <a:pPr algn="l">
+              <a:spcBef>
+                <a:spcPts val="200"/>
+              </a:spcBef>
+              <a:spcAft>
+                <a:spcPts val="200"/>
+              </a:spcAft>
+              <a:buFont typeface="Arial" panose="020B0604020202020204" pitchFamily="34" charset="0"/>
+              <a:buChar char="•"/>
+            </a:pPr>
+            <a:r>
+              <a:rPr lang="en-GB" sz="1050" b="0" i="0" dirty="0">
+                <a:effectLst/>
+              </a:rPr>
+              <a:t> Application Discovery Service is used for the initial assessment and planning stages, helping to understand the existing environment and plan the migration. </a:t>
+            </a:r>
+          </a:p>
+          <a:p>
+            <a:pPr algn="l">
+              <a:spcBef>
+                <a:spcPts val="200"/>
+              </a:spcBef>
+              <a:spcAft>
+                <a:spcPts val="200"/>
+              </a:spcAft>
+              <a:buFont typeface="Arial" panose="020B0604020202020204" pitchFamily="34" charset="0"/>
+              <a:buChar char="•"/>
+            </a:pPr>
+            <a:r>
+              <a:rPr lang="en-GB" sz="1050" dirty="0"/>
+              <a:t> </a:t>
+            </a:r>
+            <a:r>
+              <a:rPr lang="en-GB" sz="1050" b="0" i="0" dirty="0">
+                <a:effectLst/>
+              </a:rPr>
+              <a:t>Application Migration Service is used later, to actually migrate the applications to AWS.</a:t>
+            </a:r>
+          </a:p>
+          <a:p>
+            <a:pPr algn="l">
+              <a:spcBef>
+                <a:spcPts val="200"/>
+              </a:spcBef>
+              <a:spcAft>
+                <a:spcPts val="200"/>
+              </a:spcAft>
+              <a:buFont typeface="Arial" panose="020B0604020202020204" pitchFamily="34" charset="0"/>
+              <a:buChar char="•"/>
+            </a:pPr>
+            <a:r>
+              <a:rPr lang="en-GB" sz="1050" b="1" i="0" dirty="0">
+                <a:effectLst/>
+              </a:rPr>
+              <a:t> Functionality</a:t>
+            </a:r>
+            <a:r>
+              <a:rPr lang="en-GB" sz="1050" b="0" i="0" dirty="0">
+                <a:effectLst/>
+              </a:rPr>
+              <a:t>: </a:t>
+            </a:r>
+          </a:p>
+          <a:p>
+            <a:pPr algn="l">
+              <a:spcBef>
+                <a:spcPts val="200"/>
+              </a:spcBef>
+              <a:spcAft>
+                <a:spcPts val="200"/>
+              </a:spcAft>
+              <a:buFont typeface="Arial" panose="020B0604020202020204" pitchFamily="34" charset="0"/>
+              <a:buChar char="•"/>
+            </a:pPr>
+            <a:r>
+              <a:rPr lang="en-GB" sz="1050" b="0" i="0" dirty="0">
+                <a:effectLst/>
+              </a:rPr>
+              <a:t> Discovery Service focuses on discovering, assessing, and planning by providing insights into the existing environment. </a:t>
+            </a:r>
+          </a:p>
+          <a:p>
+            <a:pPr algn="l">
+              <a:spcBef>
+                <a:spcPts val="200"/>
+              </a:spcBef>
+              <a:spcAft>
+                <a:spcPts val="200"/>
+              </a:spcAft>
+              <a:buFont typeface="Arial" panose="020B0604020202020204" pitchFamily="34" charset="0"/>
+              <a:buChar char="•"/>
+            </a:pPr>
+            <a:r>
+              <a:rPr lang="en-GB" sz="1050" b="0" i="0" dirty="0">
+                <a:effectLst/>
+              </a:rPr>
+              <a:t> Migration Service focuses on the migration execution, providing tools and processes to move applications and workloads to AWS efficiently.</a:t>
+            </a:r>
+          </a:p>
+        </p:txBody>
+      </p:sp>
+    </p:spTree>
+    <p:extLst>
+      <p:ext uri="{BB962C8B-B14F-4D97-AF65-F5344CB8AC3E}">
+        <p14:creationId xmlns:p14="http://schemas.microsoft.com/office/powerpoint/2010/main" val="3039928351"/>
+      </p:ext>
+    </p:extLst>
+  </p:cSld>
+  <p:clrMapOvr>
+    <a:masterClrMapping/>
+  </p:clrMapOvr>
+</p:sld>
+</file>
+
+<file path=ppt/slides/slide2.xml><?xml version="1.0" encoding="utf-8"?>
 <p:sld xmlns:a="http://schemas.openxmlformats.org/drawingml/2006/main" xmlns:r="http://schemas.openxmlformats.org/officeDocument/2006/relationships" xmlns:p="http://schemas.openxmlformats.org/presentationml/2006/main">
   <p:cSld>
     <p:bg>
@@ -8778,12 +10513,12 @@
           <a:chExt cx="0" cy="0"/>
         </a:xfrm>
       </p:grpSpPr>
-      <p:sp>
+      <p:sp useBgFill="1">
         <p:nvSpPr>
-          <p:cNvPr id="5131" name="Rectangle 5126">
+          <p:cNvPr id="2073" name="Rectangle 2072">
             <a:extLst>
               <a:ext uri="{FF2B5EF4-FFF2-40B4-BE49-F238E27FC236}">
-                <a16:creationId xmlns:a16="http://schemas.microsoft.com/office/drawing/2014/main" id="{A4AC5506-6312-4701-8D3C-40187889A947}"/>
+                <a16:creationId xmlns:a16="http://schemas.microsoft.com/office/drawing/2014/main" id="{743AA782-23D1-4521-8CAD-47662984AA08}"/>
               </a:ext>
               <a:ext uri="{C183D7F6-B498-43B3-948B-1728B52AA6E4}">
                 <adec:decorative xmlns:adec="http://schemas.microsoft.com/office/drawing/2017/decorative" val="1"/>
@@ -8803,15 +10538,12 @@
         </p:nvSpPr>
         <p:spPr>
           <a:xfrm>
-            <a:off x="0" y="651752"/>
-            <a:ext cx="12192000" cy="736551"/>
+            <a:off x="0" y="0"/>
+            <a:ext cx="12192000" cy="6858000"/>
           </a:xfrm>
           <a:prstGeom prst="rect">
             <a:avLst/>
           </a:prstGeom>
-          <a:solidFill>
-            <a:schemeClr val="tx1"/>
-          </a:solidFill>
           <a:ln>
             <a:noFill/>
           </a:ln>
@@ -8846,7 +10578,7 @@
           <p:cNvPr id="2" name="Title 1">
             <a:extLst>
               <a:ext uri="{FF2B5EF4-FFF2-40B4-BE49-F238E27FC236}">
-                <a16:creationId xmlns:a16="http://schemas.microsoft.com/office/drawing/2014/main" id="{9FBC22CE-F588-63B3-9986-9FBAAFB12F59}"/>
+                <a16:creationId xmlns:a16="http://schemas.microsoft.com/office/drawing/2014/main" id="{FD0844B9-6C3F-3FAB-C115-813099AEAD4B}"/>
               </a:ext>
             </a:extLst>
           </p:cNvPr>
@@ -8859,45 +10591,344 @@
         </p:nvSpPr>
         <p:spPr>
           <a:xfrm>
-            <a:off x="556532" y="643467"/>
-            <a:ext cx="11210925" cy="744836"/>
+            <a:off x="630936" y="640080"/>
+            <a:ext cx="4818888" cy="1481328"/>
           </a:xfrm>
         </p:spPr>
         <p:txBody>
-          <a:bodyPr vert="horz" lIns="91440" tIns="45720" rIns="91440" bIns="45720" rtlCol="0" anchor="ctr">
+          <a:bodyPr anchor="b">
             <a:normAutofit/>
           </a:bodyPr>
           <a:lstStyle/>
           <a:p>
+            <a:r>
+              <a:rPr lang="en-CH" sz="4600"/>
+              <a:t>What is Application Migration?</a:t>
+            </a:r>
+          </a:p>
+        </p:txBody>
+      </p:sp>
+      <p:sp>
+        <p:nvSpPr>
+          <p:cNvPr id="2075" name="sketch line">
+            <a:extLst>
+              <a:ext uri="{FF2B5EF4-FFF2-40B4-BE49-F238E27FC236}">
+                <a16:creationId xmlns:a16="http://schemas.microsoft.com/office/drawing/2014/main" id="{71877DBC-BB60-40F0-AC93-2ACDBAAE60CE}"/>
+              </a:ext>
+              <a:ext uri="{C183D7F6-B498-43B3-948B-1728B52AA6E4}">
+                <adec:decorative xmlns:adec="http://schemas.microsoft.com/office/drawing/2017/decorative" val="1"/>
+              </a:ext>
+            </a:extLst>
+          </p:cNvPr>
+          <p:cNvSpPr>
+            <a:spLocks noGrp="1" noRot="1" noChangeAspect="1" noMove="1" noResize="1" noEditPoints="1" noAdjustHandles="1" noChangeArrowheads="1" noChangeShapeType="1" noTextEdit="1"/>
+          </p:cNvSpPr>
+          <p:nvPr>
+            <p:extLst>
+              <p:ext uri="{386F3935-93C4-4BCD-93E2-E3B085C9AB24}">
+                <p16:designElem xmlns:p16="http://schemas.microsoft.com/office/powerpoint/2015/main" val="1"/>
+              </p:ext>
+            </p:extLst>
+          </p:nvPr>
+        </p:nvSpPr>
+        <p:spPr>
+          <a:xfrm>
+            <a:off x="643278" y="2372868"/>
+            <a:ext cx="3255095" cy="18288"/>
+          </a:xfrm>
+          <a:custGeom>
+            <a:avLst/>
+            <a:gdLst>
+              <a:gd name="connsiteX0" fmla="*/ 0 w 3255095"/>
+              <a:gd name="connsiteY0" fmla="*/ 0 h 18288"/>
+              <a:gd name="connsiteX1" fmla="*/ 618468 w 3255095"/>
+              <a:gd name="connsiteY1" fmla="*/ 0 h 18288"/>
+              <a:gd name="connsiteX2" fmla="*/ 1269487 w 3255095"/>
+              <a:gd name="connsiteY2" fmla="*/ 0 h 18288"/>
+              <a:gd name="connsiteX3" fmla="*/ 1953057 w 3255095"/>
+              <a:gd name="connsiteY3" fmla="*/ 0 h 18288"/>
+              <a:gd name="connsiteX4" fmla="*/ 2636627 w 3255095"/>
+              <a:gd name="connsiteY4" fmla="*/ 0 h 18288"/>
+              <a:gd name="connsiteX5" fmla="*/ 3255095 w 3255095"/>
+              <a:gd name="connsiteY5" fmla="*/ 0 h 18288"/>
+              <a:gd name="connsiteX6" fmla="*/ 3255095 w 3255095"/>
+              <a:gd name="connsiteY6" fmla="*/ 18288 h 18288"/>
+              <a:gd name="connsiteX7" fmla="*/ 2538974 w 3255095"/>
+              <a:gd name="connsiteY7" fmla="*/ 18288 h 18288"/>
+              <a:gd name="connsiteX8" fmla="*/ 1822853 w 3255095"/>
+              <a:gd name="connsiteY8" fmla="*/ 18288 h 18288"/>
+              <a:gd name="connsiteX9" fmla="*/ 1171834 w 3255095"/>
+              <a:gd name="connsiteY9" fmla="*/ 18288 h 18288"/>
+              <a:gd name="connsiteX10" fmla="*/ 0 w 3255095"/>
+              <a:gd name="connsiteY10" fmla="*/ 18288 h 18288"/>
+              <a:gd name="connsiteX11" fmla="*/ 0 w 3255095"/>
+              <a:gd name="connsiteY11" fmla="*/ 0 h 18288"/>
+            </a:gdLst>
+            <a:ahLst/>
+            <a:cxnLst>
+              <a:cxn ang="0">
+                <a:pos x="connsiteX0" y="connsiteY0"/>
+              </a:cxn>
+              <a:cxn ang="0">
+                <a:pos x="connsiteX1" y="connsiteY1"/>
+              </a:cxn>
+              <a:cxn ang="0">
+                <a:pos x="connsiteX2" y="connsiteY2"/>
+              </a:cxn>
+              <a:cxn ang="0">
+                <a:pos x="connsiteX3" y="connsiteY3"/>
+              </a:cxn>
+              <a:cxn ang="0">
+                <a:pos x="connsiteX4" y="connsiteY4"/>
+              </a:cxn>
+              <a:cxn ang="0">
+                <a:pos x="connsiteX5" y="connsiteY5"/>
+              </a:cxn>
+              <a:cxn ang="0">
+                <a:pos x="connsiteX6" y="connsiteY6"/>
+              </a:cxn>
+              <a:cxn ang="0">
+                <a:pos x="connsiteX7" y="connsiteY7"/>
+              </a:cxn>
+              <a:cxn ang="0">
+                <a:pos x="connsiteX8" y="connsiteY8"/>
+              </a:cxn>
+              <a:cxn ang="0">
+                <a:pos x="connsiteX9" y="connsiteY9"/>
+              </a:cxn>
+              <a:cxn ang="0">
+                <a:pos x="connsiteX10" y="connsiteY10"/>
+              </a:cxn>
+              <a:cxn ang="0">
+                <a:pos x="connsiteX11" y="connsiteY11"/>
+              </a:cxn>
+            </a:cxnLst>
+            <a:rect l="l" t="t" r="r" b="b"/>
+            <a:pathLst>
+              <a:path w="3255095" h="18288" fill="none" extrusionOk="0">
+                <a:moveTo>
+                  <a:pt x="0" y="0"/>
+                </a:moveTo>
+                <a:cubicBezTo>
+                  <a:pt x="240201" y="-22123"/>
+                  <a:pt x="462021" y="-19623"/>
+                  <a:pt x="618468" y="0"/>
+                </a:cubicBezTo>
+                <a:cubicBezTo>
+                  <a:pt x="774915" y="19623"/>
+                  <a:pt x="974734" y="2035"/>
+                  <a:pt x="1269487" y="0"/>
+                </a:cubicBezTo>
+                <a:cubicBezTo>
+                  <a:pt x="1564240" y="-2035"/>
+                  <a:pt x="1733579" y="10639"/>
+                  <a:pt x="1953057" y="0"/>
+                </a:cubicBezTo>
+                <a:cubicBezTo>
+                  <a:pt x="2172535" y="-10639"/>
+                  <a:pt x="2453962" y="14018"/>
+                  <a:pt x="2636627" y="0"/>
+                </a:cubicBezTo>
+                <a:cubicBezTo>
+                  <a:pt x="2819292" y="-14018"/>
+                  <a:pt x="3121375" y="5399"/>
+                  <a:pt x="3255095" y="0"/>
+                </a:cubicBezTo>
+                <a:cubicBezTo>
+                  <a:pt x="3254386" y="8157"/>
+                  <a:pt x="3254682" y="12125"/>
+                  <a:pt x="3255095" y="18288"/>
+                </a:cubicBezTo>
+                <a:cubicBezTo>
+                  <a:pt x="3088545" y="23203"/>
+                  <a:pt x="2687475" y="7419"/>
+                  <a:pt x="2538974" y="18288"/>
+                </a:cubicBezTo>
+                <a:cubicBezTo>
+                  <a:pt x="2390473" y="29157"/>
+                  <a:pt x="2137381" y="-8959"/>
+                  <a:pt x="1822853" y="18288"/>
+                </a:cubicBezTo>
+                <a:cubicBezTo>
+                  <a:pt x="1508325" y="45535"/>
+                  <a:pt x="1466437" y="20385"/>
+                  <a:pt x="1171834" y="18288"/>
+                </a:cubicBezTo>
+                <a:cubicBezTo>
+                  <a:pt x="877231" y="16191"/>
+                  <a:pt x="561097" y="37643"/>
+                  <a:pt x="0" y="18288"/>
+                </a:cubicBezTo>
+                <a:cubicBezTo>
+                  <a:pt x="-46" y="12483"/>
+                  <a:pt x="-203" y="6491"/>
+                  <a:pt x="0" y="0"/>
+                </a:cubicBezTo>
+                <a:close/>
+              </a:path>
+              <a:path w="3255095" h="18288" stroke="0" extrusionOk="0">
+                <a:moveTo>
+                  <a:pt x="0" y="0"/>
+                </a:moveTo>
+                <a:cubicBezTo>
+                  <a:pt x="291965" y="19429"/>
+                  <a:pt x="363155" y="8568"/>
+                  <a:pt x="618468" y="0"/>
+                </a:cubicBezTo>
+                <a:cubicBezTo>
+                  <a:pt x="873781" y="-8568"/>
+                  <a:pt x="904459" y="-19505"/>
+                  <a:pt x="1171834" y="0"/>
+                </a:cubicBezTo>
+                <a:cubicBezTo>
+                  <a:pt x="1439209" y="19505"/>
+                  <a:pt x="1744369" y="9790"/>
+                  <a:pt x="1887955" y="0"/>
+                </a:cubicBezTo>
+                <a:cubicBezTo>
+                  <a:pt x="2031541" y="-9790"/>
+                  <a:pt x="2346378" y="21240"/>
+                  <a:pt x="2506423" y="0"/>
+                </a:cubicBezTo>
+                <a:cubicBezTo>
+                  <a:pt x="2666468" y="-21240"/>
+                  <a:pt x="2990257" y="30414"/>
+                  <a:pt x="3255095" y="0"/>
+                </a:cubicBezTo>
+                <a:cubicBezTo>
+                  <a:pt x="3254831" y="4493"/>
+                  <a:pt x="3255479" y="9472"/>
+                  <a:pt x="3255095" y="18288"/>
+                </a:cubicBezTo>
+                <a:cubicBezTo>
+                  <a:pt x="3120743" y="16690"/>
+                  <a:pt x="2759628" y="42462"/>
+                  <a:pt x="2604076" y="18288"/>
+                </a:cubicBezTo>
+                <a:cubicBezTo>
+                  <a:pt x="2448524" y="-5886"/>
+                  <a:pt x="2184336" y="19599"/>
+                  <a:pt x="1887955" y="18288"/>
+                </a:cubicBezTo>
+                <a:cubicBezTo>
+                  <a:pt x="1591574" y="16977"/>
+                  <a:pt x="1548845" y="6870"/>
+                  <a:pt x="1334589" y="18288"/>
+                </a:cubicBezTo>
+                <a:cubicBezTo>
+                  <a:pt x="1120333" y="29706"/>
+                  <a:pt x="996014" y="9662"/>
+                  <a:pt x="683570" y="18288"/>
+                </a:cubicBezTo>
+                <a:cubicBezTo>
+                  <a:pt x="371126" y="26914"/>
+                  <a:pt x="198687" y="16167"/>
+                  <a:pt x="0" y="18288"/>
+                </a:cubicBezTo>
+                <a:cubicBezTo>
+                  <a:pt x="843" y="9577"/>
+                  <a:pt x="371" y="6900"/>
+                  <a:pt x="0" y="0"/>
+                </a:cubicBezTo>
+                <a:close/>
+              </a:path>
+            </a:pathLst>
+          </a:custGeom>
+          <a:solidFill>
+            <a:schemeClr val="accent2"/>
+          </a:solidFill>
+          <a:ln w="38100" cap="rnd">
+            <a:solidFill>
+              <a:schemeClr val="accent2"/>
+            </a:solidFill>
+            <a:round/>
+            <a:extLst>
+              <a:ext uri="{C807C97D-BFC1-408E-A445-0C87EB9F89A2}">
+                <ask:lineSketchStyleProps xmlns:ask="http://schemas.microsoft.com/office/drawing/2018/sketchyshapes" sd="1219033472">
+                  <a:prstGeom prst="rect">
+                    <a:avLst/>
+                  </a:prstGeom>
+                  <ask:type>
+                    <ask:lineSketchFreehand/>
+                  </ask:type>
+                </ask:lineSketchStyleProps>
+              </a:ext>
+            </a:extLst>
+          </a:ln>
+        </p:spPr>
+        <p:style>
+          <a:lnRef idx="2">
+            <a:schemeClr val="accent1">
+              <a:shade val="50000"/>
+            </a:schemeClr>
+          </a:lnRef>
+          <a:fillRef idx="1">
+            <a:schemeClr val="accent1"/>
+          </a:fillRef>
+          <a:effectRef idx="0">
+            <a:schemeClr val="accent1"/>
+          </a:effectRef>
+          <a:fontRef idx="minor">
+            <a:schemeClr val="lt1"/>
+          </a:fontRef>
+        </p:style>
+        <p:txBody>
+          <a:bodyPr rtlCol="0" anchor="ctr"/>
+          <a:lstStyle/>
+          <a:p>
             <a:pPr algn="ctr"/>
-            <a:r>
-              <a:rPr lang="en-US" sz="3200" dirty="0">
-                <a:solidFill>
-                  <a:schemeClr val="bg1"/>
-                </a:solidFill>
+            <a:endParaRPr lang="en-US"/>
+          </a:p>
+        </p:txBody>
+      </p:sp>
+      <p:sp>
+        <p:nvSpPr>
+          <p:cNvPr id="3" name="Content Placeholder 2">
+            <a:extLst>
+              <a:ext uri="{FF2B5EF4-FFF2-40B4-BE49-F238E27FC236}">
+                <a16:creationId xmlns:a16="http://schemas.microsoft.com/office/drawing/2014/main" id="{63DF90B4-EFB2-EFB2-8978-F2AD313E4AEF}"/>
+              </a:ext>
+            </a:extLst>
+          </p:cNvPr>
+          <p:cNvSpPr>
+            <a:spLocks noGrp="1"/>
+          </p:cNvSpPr>
+          <p:nvPr>
+            <p:ph idx="1"/>
+          </p:nvPr>
+        </p:nvSpPr>
+        <p:spPr>
+          <a:xfrm>
+            <a:off x="630936" y="2660904"/>
+            <a:ext cx="4818888" cy="3547872"/>
+          </a:xfrm>
+        </p:spPr>
+        <p:txBody>
+          <a:bodyPr anchor="t">
+            <a:normAutofit/>
+          </a:bodyPr>
+          <a:lstStyle/>
+          <a:p>
+            <a:pPr marL="0" indent="0">
+              <a:buNone/>
+            </a:pPr>
+            <a:r>
+              <a:rPr lang="en-GB" sz="2200" b="0" i="0" dirty="0">
+                <a:effectLst/>
+                <a:latin typeface="Arial" panose="020B0604020202020204" pitchFamily="34" charset="0"/>
               </a:rPr>
-              <a:t>At what stage </a:t>
-            </a:r>
-            <a:r>
-              <a:rPr lang="en-US" sz="3200" kern="1200" dirty="0">
-                <a:solidFill>
-                  <a:schemeClr val="bg1"/>
-                </a:solidFill>
-                <a:latin typeface="+mj-lt"/>
-                <a:ea typeface="+mj-ea"/>
-                <a:cs typeface="+mj-cs"/>
-              </a:rPr>
-              <a:t>is ADS used?</a:t>
-            </a:r>
+              <a:t>Application migration is the process of moving an application program from one environment to another</a:t>
+            </a:r>
+            <a:endParaRPr lang="en-CH" sz="2200" dirty="0"/>
           </a:p>
         </p:txBody>
       </p:sp>
       <p:pic>
         <p:nvPicPr>
-          <p:cNvPr id="5122" name="Picture 2" descr="AWS Application Discovery Service use cases">
+          <p:cNvPr id="2052" name="Picture 2" descr="What is Application Migration? | Mezmo">
             <a:extLst>
               <a:ext uri="{FF2B5EF4-FFF2-40B4-BE49-F238E27FC236}">
-                <a16:creationId xmlns:a16="http://schemas.microsoft.com/office/drawing/2014/main" id="{2B037EF4-9B8E-EB6B-3EFE-117448128864}"/>
+                <a16:creationId xmlns:a16="http://schemas.microsoft.com/office/drawing/2014/main" id="{9DA13E25-61A7-8925-8070-68676639171C}"/>
               </a:ext>
             </a:extLst>
           </p:cNvPr>
@@ -8907,7 +10938,7 @@
           <p:nvPr/>
         </p:nvPicPr>
         <p:blipFill>
-          <a:blip r:embed="rId3">
+          <a:blip r:embed="rId2">
             <a:extLst>
               <a:ext uri="{28A0092B-C50C-407E-A947-70E740481C1C}">
                 <a14:useLocalDpi xmlns:a14="http://schemas.microsoft.com/office/drawing/2010/main" val="0"/>
@@ -8920,8 +10951,8 @@
         </p:blipFill>
         <p:spPr bwMode="auto">
           <a:xfrm>
-            <a:off x="737222" y="1675227"/>
-            <a:ext cx="10717556" cy="4394199"/>
+            <a:off x="6099048" y="699516"/>
+            <a:ext cx="5458968" cy="5458968"/>
           </a:xfrm>
           <a:prstGeom prst="rect">
             <a:avLst/>
@@ -8941,7 +10972,7 @@
     </p:spTree>
     <p:extLst>
       <p:ext uri="{BB962C8B-B14F-4D97-AF65-F5344CB8AC3E}">
-        <p14:creationId xmlns:p14="http://schemas.microsoft.com/office/powerpoint/2010/main" val="780638543"/>
+        <p14:creationId xmlns:p14="http://schemas.microsoft.com/office/powerpoint/2010/main" val="3733177278"/>
       </p:ext>
     </p:extLst>
   </p:cSld>
@@ -8951,7 +10982,101 @@
 </p:sld>
 </file>
 
-<file path=ppt/slides/slide2.xml><?xml version="1.0" encoding="utf-8"?>
+<file path=ppt/slides/slide3.xml><?xml version="1.0" encoding="utf-8"?>
+<p:sld xmlns:a="http://schemas.openxmlformats.org/drawingml/2006/main" xmlns:r="http://schemas.openxmlformats.org/officeDocument/2006/relationships" xmlns:p="http://schemas.openxmlformats.org/presentationml/2006/main">
+  <p:cSld>
+    <p:spTree>
+      <p:nvGrpSpPr>
+        <p:cNvPr id="1" name=""/>
+        <p:cNvGrpSpPr/>
+        <p:nvPr/>
+      </p:nvGrpSpPr>
+      <p:grpSpPr>
+        <a:xfrm>
+          <a:off x="0" y="0"/>
+          <a:ext cx="0" cy="0"/>
+          <a:chOff x="0" y="0"/>
+          <a:chExt cx="0" cy="0"/>
+        </a:xfrm>
+      </p:grpSpPr>
+      <p:sp>
+        <p:nvSpPr>
+          <p:cNvPr id="2" name="Title 1">
+            <a:extLst>
+              <a:ext uri="{FF2B5EF4-FFF2-40B4-BE49-F238E27FC236}">
+                <a16:creationId xmlns:a16="http://schemas.microsoft.com/office/drawing/2014/main" id="{36410467-D436-98AB-E492-479560F16533}"/>
+              </a:ext>
+            </a:extLst>
+          </p:cNvPr>
+          <p:cNvSpPr>
+            <a:spLocks noGrp="1"/>
+          </p:cNvSpPr>
+          <p:nvPr>
+            <p:ph type="title"/>
+          </p:nvPr>
+        </p:nvSpPr>
+        <p:spPr>
+          <a:xfrm>
+            <a:off x="838200" y="365125"/>
+            <a:ext cx="10515600" cy="1031189"/>
+          </a:xfrm>
+        </p:spPr>
+        <p:txBody>
+          <a:bodyPr/>
+          <a:lstStyle/>
+          <a:p>
+            <a:r>
+              <a:rPr lang="en-CH" dirty="0"/>
+              <a:t>Application Migration Types</a:t>
+            </a:r>
+          </a:p>
+        </p:txBody>
+      </p:sp>
+      <p:graphicFrame>
+        <p:nvGraphicFramePr>
+          <p:cNvPr id="5" name="Content Placeholder 2">
+            <a:extLst>
+              <a:ext uri="{FF2B5EF4-FFF2-40B4-BE49-F238E27FC236}">
+                <a16:creationId xmlns:a16="http://schemas.microsoft.com/office/drawing/2014/main" id="{B99B24ED-879A-7FA1-B2F3-202DAB6EAE12}"/>
+              </a:ext>
+            </a:extLst>
+          </p:cNvPr>
+          <p:cNvGraphicFramePr>
+            <a:graphicFrameLocks noGrp="1"/>
+          </p:cNvGraphicFramePr>
+          <p:nvPr>
+            <p:ph idx="1"/>
+            <p:extLst>
+              <p:ext uri="{D42A27DB-BD31-4B8C-83A1-F6EECF244321}">
+                <p14:modId xmlns:p14="http://schemas.microsoft.com/office/powerpoint/2010/main" val="3579159244"/>
+              </p:ext>
+            </p:extLst>
+          </p:nvPr>
+        </p:nvGraphicFramePr>
+        <p:xfrm>
+          <a:off x="838200" y="1825625"/>
+          <a:ext cx="10515600" cy="4351338"/>
+        </p:xfrm>
+        <a:graphic>
+          <a:graphicData uri="http://schemas.openxmlformats.org/drawingml/2006/diagram">
+            <dgm:relIds xmlns:dgm="http://schemas.openxmlformats.org/drawingml/2006/diagram" xmlns:r="http://schemas.openxmlformats.org/officeDocument/2006/relationships" r:dm="rId2" r:lo="rId3" r:qs="rId4" r:cs="rId5"/>
+          </a:graphicData>
+        </a:graphic>
+      </p:graphicFrame>
+    </p:spTree>
+    <p:extLst>
+      <p:ext uri="{BB962C8B-B14F-4D97-AF65-F5344CB8AC3E}">
+        <p14:creationId xmlns:p14="http://schemas.microsoft.com/office/powerpoint/2010/main" val="3484600569"/>
+      </p:ext>
+    </p:extLst>
+  </p:cSld>
+  <p:clrMapOvr>
+    <a:masterClrMapping/>
+  </p:clrMapOvr>
+</p:sld>
+</file>
+
+<file path=ppt/slides/slide4.xml><?xml version="1.0" encoding="utf-8"?>
 <p:sld xmlns:a="http://schemas.openxmlformats.org/drawingml/2006/main" xmlns:r="http://schemas.openxmlformats.org/officeDocument/2006/relationships" xmlns:p="http://schemas.openxmlformats.org/presentationml/2006/main">
   <p:cSld>
     <p:bg>
@@ -9380,7 +11505,7 @@
 </p:sld>
 </file>
 
-<file path=ppt/slides/slide3.xml><?xml version="1.0" encoding="utf-8"?>
+<file path=ppt/slides/slide5.xml><?xml version="1.0" encoding="utf-8"?>
 <p:sld xmlns:a="http://schemas.openxmlformats.org/drawingml/2006/main" xmlns:r="http://schemas.openxmlformats.org/officeDocument/2006/relationships" xmlns:p="http://schemas.openxmlformats.org/presentationml/2006/main">
   <p:cSld>
     <p:bg>
@@ -11331,594 +13456,6 @@
 </p:sld>
 </file>
 
-<file path=ppt/slides/slide4.xml><?xml version="1.0" encoding="utf-8"?>
-<p:sld xmlns:a="http://schemas.openxmlformats.org/drawingml/2006/main" xmlns:r="http://schemas.openxmlformats.org/officeDocument/2006/relationships" xmlns:p="http://schemas.openxmlformats.org/presentationml/2006/main">
-  <p:cSld>
-    <p:bg>
-      <p:bgPr>
-        <a:solidFill>
-          <a:schemeClr val="bg1"/>
-        </a:solidFill>
-        <a:effectLst/>
-      </p:bgPr>
-    </p:bg>
-    <p:spTree>
-      <p:nvGrpSpPr>
-        <p:cNvPr id="1" name=""/>
-        <p:cNvGrpSpPr/>
-        <p:nvPr/>
-      </p:nvGrpSpPr>
-      <p:grpSpPr>
-        <a:xfrm>
-          <a:off x="0" y="0"/>
-          <a:ext cx="0" cy="0"/>
-          <a:chOff x="0" y="0"/>
-          <a:chExt cx="0" cy="0"/>
-        </a:xfrm>
-      </p:grpSpPr>
-      <p:sp useBgFill="1">
-        <p:nvSpPr>
-          <p:cNvPr id="2073" name="Rectangle 2072">
-            <a:extLst>
-              <a:ext uri="{FF2B5EF4-FFF2-40B4-BE49-F238E27FC236}">
-                <a16:creationId xmlns:a16="http://schemas.microsoft.com/office/drawing/2014/main" id="{743AA782-23D1-4521-8CAD-47662984AA08}"/>
-              </a:ext>
-              <a:ext uri="{C183D7F6-B498-43B3-948B-1728B52AA6E4}">
-                <adec:decorative xmlns:adec="http://schemas.microsoft.com/office/drawing/2017/decorative" val="1"/>
-              </a:ext>
-            </a:extLst>
-          </p:cNvPr>
-          <p:cNvSpPr>
-            <a:spLocks noGrp="1" noRot="1" noChangeAspect="1" noMove="1" noResize="1" noEditPoints="1" noAdjustHandles="1" noChangeArrowheads="1" noChangeShapeType="1" noTextEdit="1"/>
-          </p:cNvSpPr>
-          <p:nvPr>
-            <p:extLst>
-              <p:ext uri="{386F3935-93C4-4BCD-93E2-E3B085C9AB24}">
-                <p16:designElem xmlns:p16="http://schemas.microsoft.com/office/powerpoint/2015/main" val="1"/>
-              </p:ext>
-            </p:extLst>
-          </p:nvPr>
-        </p:nvSpPr>
-        <p:spPr>
-          <a:xfrm>
-            <a:off x="0" y="0"/>
-            <a:ext cx="12192000" cy="6858000"/>
-          </a:xfrm>
-          <a:prstGeom prst="rect">
-            <a:avLst/>
-          </a:prstGeom>
-          <a:ln>
-            <a:noFill/>
-          </a:ln>
-        </p:spPr>
-        <p:style>
-          <a:lnRef idx="2">
-            <a:schemeClr val="accent1">
-              <a:shade val="50000"/>
-            </a:schemeClr>
-          </a:lnRef>
-          <a:fillRef idx="1">
-            <a:schemeClr val="accent1"/>
-          </a:fillRef>
-          <a:effectRef idx="0">
-            <a:schemeClr val="accent1"/>
-          </a:effectRef>
-          <a:fontRef idx="minor">
-            <a:schemeClr val="lt1"/>
-          </a:fontRef>
-        </p:style>
-        <p:txBody>
-          <a:bodyPr rtlCol="0" anchor="ctr"/>
-          <a:lstStyle/>
-          <a:p>
-            <a:pPr algn="ctr"/>
-            <a:endParaRPr lang="en-US"/>
-          </a:p>
-        </p:txBody>
-      </p:sp>
-      <p:sp>
-        <p:nvSpPr>
-          <p:cNvPr id="2" name="Title 1">
-            <a:extLst>
-              <a:ext uri="{FF2B5EF4-FFF2-40B4-BE49-F238E27FC236}">
-                <a16:creationId xmlns:a16="http://schemas.microsoft.com/office/drawing/2014/main" id="{FD0844B9-6C3F-3FAB-C115-813099AEAD4B}"/>
-              </a:ext>
-            </a:extLst>
-          </p:cNvPr>
-          <p:cNvSpPr>
-            <a:spLocks noGrp="1"/>
-          </p:cNvSpPr>
-          <p:nvPr>
-            <p:ph type="title"/>
-          </p:nvPr>
-        </p:nvSpPr>
-        <p:spPr>
-          <a:xfrm>
-            <a:off x="630936" y="640080"/>
-            <a:ext cx="4818888" cy="1481328"/>
-          </a:xfrm>
-        </p:spPr>
-        <p:txBody>
-          <a:bodyPr anchor="b">
-            <a:normAutofit/>
-          </a:bodyPr>
-          <a:lstStyle/>
-          <a:p>
-            <a:r>
-              <a:rPr lang="en-CH" sz="4600"/>
-              <a:t>What is Application Migration?</a:t>
-            </a:r>
-          </a:p>
-        </p:txBody>
-      </p:sp>
-      <p:sp>
-        <p:nvSpPr>
-          <p:cNvPr id="2075" name="sketch line">
-            <a:extLst>
-              <a:ext uri="{FF2B5EF4-FFF2-40B4-BE49-F238E27FC236}">
-                <a16:creationId xmlns:a16="http://schemas.microsoft.com/office/drawing/2014/main" id="{71877DBC-BB60-40F0-AC93-2ACDBAAE60CE}"/>
-              </a:ext>
-              <a:ext uri="{C183D7F6-B498-43B3-948B-1728B52AA6E4}">
-                <adec:decorative xmlns:adec="http://schemas.microsoft.com/office/drawing/2017/decorative" val="1"/>
-              </a:ext>
-            </a:extLst>
-          </p:cNvPr>
-          <p:cNvSpPr>
-            <a:spLocks noGrp="1" noRot="1" noChangeAspect="1" noMove="1" noResize="1" noEditPoints="1" noAdjustHandles="1" noChangeArrowheads="1" noChangeShapeType="1" noTextEdit="1"/>
-          </p:cNvSpPr>
-          <p:nvPr>
-            <p:extLst>
-              <p:ext uri="{386F3935-93C4-4BCD-93E2-E3B085C9AB24}">
-                <p16:designElem xmlns:p16="http://schemas.microsoft.com/office/powerpoint/2015/main" val="1"/>
-              </p:ext>
-            </p:extLst>
-          </p:nvPr>
-        </p:nvSpPr>
-        <p:spPr>
-          <a:xfrm>
-            <a:off x="643278" y="2372868"/>
-            <a:ext cx="3255095" cy="18288"/>
-          </a:xfrm>
-          <a:custGeom>
-            <a:avLst/>
-            <a:gdLst>
-              <a:gd name="connsiteX0" fmla="*/ 0 w 3255095"/>
-              <a:gd name="connsiteY0" fmla="*/ 0 h 18288"/>
-              <a:gd name="connsiteX1" fmla="*/ 618468 w 3255095"/>
-              <a:gd name="connsiteY1" fmla="*/ 0 h 18288"/>
-              <a:gd name="connsiteX2" fmla="*/ 1269487 w 3255095"/>
-              <a:gd name="connsiteY2" fmla="*/ 0 h 18288"/>
-              <a:gd name="connsiteX3" fmla="*/ 1953057 w 3255095"/>
-              <a:gd name="connsiteY3" fmla="*/ 0 h 18288"/>
-              <a:gd name="connsiteX4" fmla="*/ 2636627 w 3255095"/>
-              <a:gd name="connsiteY4" fmla="*/ 0 h 18288"/>
-              <a:gd name="connsiteX5" fmla="*/ 3255095 w 3255095"/>
-              <a:gd name="connsiteY5" fmla="*/ 0 h 18288"/>
-              <a:gd name="connsiteX6" fmla="*/ 3255095 w 3255095"/>
-              <a:gd name="connsiteY6" fmla="*/ 18288 h 18288"/>
-              <a:gd name="connsiteX7" fmla="*/ 2538974 w 3255095"/>
-              <a:gd name="connsiteY7" fmla="*/ 18288 h 18288"/>
-              <a:gd name="connsiteX8" fmla="*/ 1822853 w 3255095"/>
-              <a:gd name="connsiteY8" fmla="*/ 18288 h 18288"/>
-              <a:gd name="connsiteX9" fmla="*/ 1171834 w 3255095"/>
-              <a:gd name="connsiteY9" fmla="*/ 18288 h 18288"/>
-              <a:gd name="connsiteX10" fmla="*/ 0 w 3255095"/>
-              <a:gd name="connsiteY10" fmla="*/ 18288 h 18288"/>
-              <a:gd name="connsiteX11" fmla="*/ 0 w 3255095"/>
-              <a:gd name="connsiteY11" fmla="*/ 0 h 18288"/>
-            </a:gdLst>
-            <a:ahLst/>
-            <a:cxnLst>
-              <a:cxn ang="0">
-                <a:pos x="connsiteX0" y="connsiteY0"/>
-              </a:cxn>
-              <a:cxn ang="0">
-                <a:pos x="connsiteX1" y="connsiteY1"/>
-              </a:cxn>
-              <a:cxn ang="0">
-                <a:pos x="connsiteX2" y="connsiteY2"/>
-              </a:cxn>
-              <a:cxn ang="0">
-                <a:pos x="connsiteX3" y="connsiteY3"/>
-              </a:cxn>
-              <a:cxn ang="0">
-                <a:pos x="connsiteX4" y="connsiteY4"/>
-              </a:cxn>
-              <a:cxn ang="0">
-                <a:pos x="connsiteX5" y="connsiteY5"/>
-              </a:cxn>
-              <a:cxn ang="0">
-                <a:pos x="connsiteX6" y="connsiteY6"/>
-              </a:cxn>
-              <a:cxn ang="0">
-                <a:pos x="connsiteX7" y="connsiteY7"/>
-              </a:cxn>
-              <a:cxn ang="0">
-                <a:pos x="connsiteX8" y="connsiteY8"/>
-              </a:cxn>
-              <a:cxn ang="0">
-                <a:pos x="connsiteX9" y="connsiteY9"/>
-              </a:cxn>
-              <a:cxn ang="0">
-                <a:pos x="connsiteX10" y="connsiteY10"/>
-              </a:cxn>
-              <a:cxn ang="0">
-                <a:pos x="connsiteX11" y="connsiteY11"/>
-              </a:cxn>
-            </a:cxnLst>
-            <a:rect l="l" t="t" r="r" b="b"/>
-            <a:pathLst>
-              <a:path w="3255095" h="18288" fill="none" extrusionOk="0">
-                <a:moveTo>
-                  <a:pt x="0" y="0"/>
-                </a:moveTo>
-                <a:cubicBezTo>
-                  <a:pt x="240201" y="-22123"/>
-                  <a:pt x="462021" y="-19623"/>
-                  <a:pt x="618468" y="0"/>
-                </a:cubicBezTo>
-                <a:cubicBezTo>
-                  <a:pt x="774915" y="19623"/>
-                  <a:pt x="974734" y="2035"/>
-                  <a:pt x="1269487" y="0"/>
-                </a:cubicBezTo>
-                <a:cubicBezTo>
-                  <a:pt x="1564240" y="-2035"/>
-                  <a:pt x="1733579" y="10639"/>
-                  <a:pt x="1953057" y="0"/>
-                </a:cubicBezTo>
-                <a:cubicBezTo>
-                  <a:pt x="2172535" y="-10639"/>
-                  <a:pt x="2453962" y="14018"/>
-                  <a:pt x="2636627" y="0"/>
-                </a:cubicBezTo>
-                <a:cubicBezTo>
-                  <a:pt x="2819292" y="-14018"/>
-                  <a:pt x="3121375" y="5399"/>
-                  <a:pt x="3255095" y="0"/>
-                </a:cubicBezTo>
-                <a:cubicBezTo>
-                  <a:pt x="3254386" y="8157"/>
-                  <a:pt x="3254682" y="12125"/>
-                  <a:pt x="3255095" y="18288"/>
-                </a:cubicBezTo>
-                <a:cubicBezTo>
-                  <a:pt x="3088545" y="23203"/>
-                  <a:pt x="2687475" y="7419"/>
-                  <a:pt x="2538974" y="18288"/>
-                </a:cubicBezTo>
-                <a:cubicBezTo>
-                  <a:pt x="2390473" y="29157"/>
-                  <a:pt x="2137381" y="-8959"/>
-                  <a:pt x="1822853" y="18288"/>
-                </a:cubicBezTo>
-                <a:cubicBezTo>
-                  <a:pt x="1508325" y="45535"/>
-                  <a:pt x="1466437" y="20385"/>
-                  <a:pt x="1171834" y="18288"/>
-                </a:cubicBezTo>
-                <a:cubicBezTo>
-                  <a:pt x="877231" y="16191"/>
-                  <a:pt x="561097" y="37643"/>
-                  <a:pt x="0" y="18288"/>
-                </a:cubicBezTo>
-                <a:cubicBezTo>
-                  <a:pt x="-46" y="12483"/>
-                  <a:pt x="-203" y="6491"/>
-                  <a:pt x="0" y="0"/>
-                </a:cubicBezTo>
-                <a:close/>
-              </a:path>
-              <a:path w="3255095" h="18288" stroke="0" extrusionOk="0">
-                <a:moveTo>
-                  <a:pt x="0" y="0"/>
-                </a:moveTo>
-                <a:cubicBezTo>
-                  <a:pt x="291965" y="19429"/>
-                  <a:pt x="363155" y="8568"/>
-                  <a:pt x="618468" y="0"/>
-                </a:cubicBezTo>
-                <a:cubicBezTo>
-                  <a:pt x="873781" y="-8568"/>
-                  <a:pt x="904459" y="-19505"/>
-                  <a:pt x="1171834" y="0"/>
-                </a:cubicBezTo>
-                <a:cubicBezTo>
-                  <a:pt x="1439209" y="19505"/>
-                  <a:pt x="1744369" y="9790"/>
-                  <a:pt x="1887955" y="0"/>
-                </a:cubicBezTo>
-                <a:cubicBezTo>
-                  <a:pt x="2031541" y="-9790"/>
-                  <a:pt x="2346378" y="21240"/>
-                  <a:pt x="2506423" y="0"/>
-                </a:cubicBezTo>
-                <a:cubicBezTo>
-                  <a:pt x="2666468" y="-21240"/>
-                  <a:pt x="2990257" y="30414"/>
-                  <a:pt x="3255095" y="0"/>
-                </a:cubicBezTo>
-                <a:cubicBezTo>
-                  <a:pt x="3254831" y="4493"/>
-                  <a:pt x="3255479" y="9472"/>
-                  <a:pt x="3255095" y="18288"/>
-                </a:cubicBezTo>
-                <a:cubicBezTo>
-                  <a:pt x="3120743" y="16690"/>
-                  <a:pt x="2759628" y="42462"/>
-                  <a:pt x="2604076" y="18288"/>
-                </a:cubicBezTo>
-                <a:cubicBezTo>
-                  <a:pt x="2448524" y="-5886"/>
-                  <a:pt x="2184336" y="19599"/>
-                  <a:pt x="1887955" y="18288"/>
-                </a:cubicBezTo>
-                <a:cubicBezTo>
-                  <a:pt x="1591574" y="16977"/>
-                  <a:pt x="1548845" y="6870"/>
-                  <a:pt x="1334589" y="18288"/>
-                </a:cubicBezTo>
-                <a:cubicBezTo>
-                  <a:pt x="1120333" y="29706"/>
-                  <a:pt x="996014" y="9662"/>
-                  <a:pt x="683570" y="18288"/>
-                </a:cubicBezTo>
-                <a:cubicBezTo>
-                  <a:pt x="371126" y="26914"/>
-                  <a:pt x="198687" y="16167"/>
-                  <a:pt x="0" y="18288"/>
-                </a:cubicBezTo>
-                <a:cubicBezTo>
-                  <a:pt x="843" y="9577"/>
-                  <a:pt x="371" y="6900"/>
-                  <a:pt x="0" y="0"/>
-                </a:cubicBezTo>
-                <a:close/>
-              </a:path>
-            </a:pathLst>
-          </a:custGeom>
-          <a:solidFill>
-            <a:schemeClr val="accent2"/>
-          </a:solidFill>
-          <a:ln w="38100" cap="rnd">
-            <a:solidFill>
-              <a:schemeClr val="accent2"/>
-            </a:solidFill>
-            <a:round/>
-            <a:extLst>
-              <a:ext uri="{C807C97D-BFC1-408E-A445-0C87EB9F89A2}">
-                <ask:lineSketchStyleProps xmlns:ask="http://schemas.microsoft.com/office/drawing/2018/sketchyshapes" sd="1219033472">
-                  <a:prstGeom prst="rect">
-                    <a:avLst/>
-                  </a:prstGeom>
-                  <ask:type>
-                    <ask:lineSketchFreehand/>
-                  </ask:type>
-                </ask:lineSketchStyleProps>
-              </a:ext>
-            </a:extLst>
-          </a:ln>
-        </p:spPr>
-        <p:style>
-          <a:lnRef idx="2">
-            <a:schemeClr val="accent1">
-              <a:shade val="50000"/>
-            </a:schemeClr>
-          </a:lnRef>
-          <a:fillRef idx="1">
-            <a:schemeClr val="accent1"/>
-          </a:fillRef>
-          <a:effectRef idx="0">
-            <a:schemeClr val="accent1"/>
-          </a:effectRef>
-          <a:fontRef idx="minor">
-            <a:schemeClr val="lt1"/>
-          </a:fontRef>
-        </p:style>
-        <p:txBody>
-          <a:bodyPr rtlCol="0" anchor="ctr"/>
-          <a:lstStyle/>
-          <a:p>
-            <a:pPr algn="ctr"/>
-            <a:endParaRPr lang="en-US"/>
-          </a:p>
-        </p:txBody>
-      </p:sp>
-      <p:sp>
-        <p:nvSpPr>
-          <p:cNvPr id="3" name="Content Placeholder 2">
-            <a:extLst>
-              <a:ext uri="{FF2B5EF4-FFF2-40B4-BE49-F238E27FC236}">
-                <a16:creationId xmlns:a16="http://schemas.microsoft.com/office/drawing/2014/main" id="{63DF90B4-EFB2-EFB2-8978-F2AD313E4AEF}"/>
-              </a:ext>
-            </a:extLst>
-          </p:cNvPr>
-          <p:cNvSpPr>
-            <a:spLocks noGrp="1"/>
-          </p:cNvSpPr>
-          <p:nvPr>
-            <p:ph idx="1"/>
-          </p:nvPr>
-        </p:nvSpPr>
-        <p:spPr>
-          <a:xfrm>
-            <a:off x="630936" y="2660904"/>
-            <a:ext cx="4818888" cy="3547872"/>
-          </a:xfrm>
-        </p:spPr>
-        <p:txBody>
-          <a:bodyPr anchor="t">
-            <a:normAutofit/>
-          </a:bodyPr>
-          <a:lstStyle/>
-          <a:p>
-            <a:pPr marL="0" indent="0">
-              <a:buNone/>
-            </a:pPr>
-            <a:r>
-              <a:rPr lang="en-GB" sz="2200" b="0" i="0" dirty="0">
-                <a:effectLst/>
-                <a:latin typeface="Arial" panose="020B0604020202020204" pitchFamily="34" charset="0"/>
-              </a:rPr>
-              <a:t>Application migration is the process of moving an application program from one environment to another</a:t>
-            </a:r>
-            <a:endParaRPr lang="en-CH" sz="2200" dirty="0"/>
-          </a:p>
-        </p:txBody>
-      </p:sp>
-      <p:pic>
-        <p:nvPicPr>
-          <p:cNvPr id="2052" name="Picture 2" descr="What is Application Migration? | Mezmo">
-            <a:extLst>
-              <a:ext uri="{FF2B5EF4-FFF2-40B4-BE49-F238E27FC236}">
-                <a16:creationId xmlns:a16="http://schemas.microsoft.com/office/drawing/2014/main" id="{9DA13E25-61A7-8925-8070-68676639171C}"/>
-              </a:ext>
-            </a:extLst>
-          </p:cNvPr>
-          <p:cNvPicPr>
-            <a:picLocks noChangeAspect="1" noChangeArrowheads="1"/>
-          </p:cNvPicPr>
-          <p:nvPr/>
-        </p:nvPicPr>
-        <p:blipFill>
-          <a:blip r:embed="rId2">
-            <a:extLst>
-              <a:ext uri="{28A0092B-C50C-407E-A947-70E740481C1C}">
-                <a14:useLocalDpi xmlns:a14="http://schemas.microsoft.com/office/drawing/2010/main" val="0"/>
-              </a:ext>
-            </a:extLst>
-          </a:blip>
-          <a:stretch>
-            <a:fillRect/>
-          </a:stretch>
-        </p:blipFill>
-        <p:spPr bwMode="auto">
-          <a:xfrm>
-            <a:off x="6099048" y="699516"/>
-            <a:ext cx="5458968" cy="5458968"/>
-          </a:xfrm>
-          <a:prstGeom prst="rect">
-            <a:avLst/>
-          </a:prstGeom>
-          <a:noFill/>
-          <a:extLst>
-            <a:ext uri="{909E8E84-426E-40DD-AFC4-6F175D3DCCD1}">
-              <a14:hiddenFill xmlns:a14="http://schemas.microsoft.com/office/drawing/2010/main">
-                <a:solidFill>
-                  <a:srgbClr val="FFFFFF"/>
-                </a:solidFill>
-              </a14:hiddenFill>
-            </a:ext>
-          </a:extLst>
-        </p:spPr>
-      </p:pic>
-    </p:spTree>
-    <p:extLst>
-      <p:ext uri="{BB962C8B-B14F-4D97-AF65-F5344CB8AC3E}">
-        <p14:creationId xmlns:p14="http://schemas.microsoft.com/office/powerpoint/2010/main" val="3733177278"/>
-      </p:ext>
-    </p:extLst>
-  </p:cSld>
-  <p:clrMapOvr>
-    <a:masterClrMapping/>
-  </p:clrMapOvr>
-</p:sld>
-</file>
-
-<file path=ppt/slides/slide5.xml><?xml version="1.0" encoding="utf-8"?>
-<p:sld xmlns:a="http://schemas.openxmlformats.org/drawingml/2006/main" xmlns:r="http://schemas.openxmlformats.org/officeDocument/2006/relationships" xmlns:p="http://schemas.openxmlformats.org/presentationml/2006/main">
-  <p:cSld>
-    <p:spTree>
-      <p:nvGrpSpPr>
-        <p:cNvPr id="1" name=""/>
-        <p:cNvGrpSpPr/>
-        <p:nvPr/>
-      </p:nvGrpSpPr>
-      <p:grpSpPr>
-        <a:xfrm>
-          <a:off x="0" y="0"/>
-          <a:ext cx="0" cy="0"/>
-          <a:chOff x="0" y="0"/>
-          <a:chExt cx="0" cy="0"/>
-        </a:xfrm>
-      </p:grpSpPr>
-      <p:sp>
-        <p:nvSpPr>
-          <p:cNvPr id="2" name="Title 1">
-            <a:extLst>
-              <a:ext uri="{FF2B5EF4-FFF2-40B4-BE49-F238E27FC236}">
-                <a16:creationId xmlns:a16="http://schemas.microsoft.com/office/drawing/2014/main" id="{36410467-D436-98AB-E492-479560F16533}"/>
-              </a:ext>
-            </a:extLst>
-          </p:cNvPr>
-          <p:cNvSpPr>
-            <a:spLocks noGrp="1"/>
-          </p:cNvSpPr>
-          <p:nvPr>
-            <p:ph type="title"/>
-          </p:nvPr>
-        </p:nvSpPr>
-        <p:spPr>
-          <a:xfrm>
-            <a:off x="838200" y="365125"/>
-            <a:ext cx="10515600" cy="1031189"/>
-          </a:xfrm>
-        </p:spPr>
-        <p:txBody>
-          <a:bodyPr/>
-          <a:lstStyle/>
-          <a:p>
-            <a:r>
-              <a:rPr lang="en-CH" dirty="0"/>
-              <a:t>Application Migration Types</a:t>
-            </a:r>
-          </a:p>
-        </p:txBody>
-      </p:sp>
-      <p:graphicFrame>
-        <p:nvGraphicFramePr>
-          <p:cNvPr id="5" name="Content Placeholder 2">
-            <a:extLst>
-              <a:ext uri="{FF2B5EF4-FFF2-40B4-BE49-F238E27FC236}">
-                <a16:creationId xmlns:a16="http://schemas.microsoft.com/office/drawing/2014/main" id="{B99B24ED-879A-7FA1-B2F3-202DAB6EAE12}"/>
-              </a:ext>
-            </a:extLst>
-          </p:cNvPr>
-          <p:cNvGraphicFramePr>
-            <a:graphicFrameLocks noGrp="1"/>
-          </p:cNvGraphicFramePr>
-          <p:nvPr>
-            <p:ph idx="1"/>
-            <p:extLst>
-              <p:ext uri="{D42A27DB-BD31-4B8C-83A1-F6EECF244321}">
-                <p14:modId xmlns:p14="http://schemas.microsoft.com/office/powerpoint/2010/main" val="3579159244"/>
-              </p:ext>
-            </p:extLst>
-          </p:nvPr>
-        </p:nvGraphicFramePr>
-        <p:xfrm>
-          <a:off x="838200" y="1825625"/>
-          <a:ext cx="10515600" cy="4351338"/>
-        </p:xfrm>
-        <a:graphic>
-          <a:graphicData uri="http://schemas.openxmlformats.org/drawingml/2006/diagram">
-            <dgm:relIds xmlns:dgm="http://schemas.openxmlformats.org/drawingml/2006/diagram" xmlns:r="http://schemas.openxmlformats.org/officeDocument/2006/relationships" r:dm="rId2" r:lo="rId3" r:qs="rId4" r:cs="rId5"/>
-          </a:graphicData>
-        </a:graphic>
-      </p:graphicFrame>
-    </p:spTree>
-    <p:extLst>
-      <p:ext uri="{BB962C8B-B14F-4D97-AF65-F5344CB8AC3E}">
-        <p14:creationId xmlns:p14="http://schemas.microsoft.com/office/powerpoint/2010/main" val="3484600569"/>
-      </p:ext>
-    </p:extLst>
-  </p:cSld>
-  <p:clrMapOvr>
-    <a:masterClrMapping/>
-  </p:clrMapOvr>
-</p:sld>
-</file>
-
 <file path=ppt/slides/slide6.xml><?xml version="1.0" encoding="utf-8"?>
 <p:sld xmlns:a="http://schemas.openxmlformats.org/drawingml/2006/main" xmlns:r="http://schemas.openxmlformats.org/officeDocument/2006/relationships" xmlns:p="http://schemas.openxmlformats.org/presentationml/2006/main">
   <p:cSld>
@@ -11946,7 +13483,7 @@
       </p:grpSpPr>
       <p:sp>
         <p:nvSpPr>
-          <p:cNvPr id="3081" name="Rectangle 3078">
+          <p:cNvPr id="5131" name="Rectangle 5126">
             <a:extLst>
               <a:ext uri="{FF2B5EF4-FFF2-40B4-BE49-F238E27FC236}">
                 <a16:creationId xmlns:a16="http://schemas.microsoft.com/office/drawing/2014/main" id="{A4AC5506-6312-4701-8D3C-40187889A947}"/>
@@ -12012,7 +13549,7 @@
           <p:cNvPr id="2" name="Title 1">
             <a:extLst>
               <a:ext uri="{FF2B5EF4-FFF2-40B4-BE49-F238E27FC236}">
-                <a16:creationId xmlns:a16="http://schemas.microsoft.com/office/drawing/2014/main" id="{E017A88A-31ED-D1DF-1D7B-66B375DB57EE}"/>
+                <a16:creationId xmlns:a16="http://schemas.microsoft.com/office/drawing/2014/main" id="{9FBC22CE-F588-63B3-9986-9FBAAFB12F59}"/>
               </a:ext>
             </a:extLst>
           </p:cNvPr>
@@ -12037,7 +13574,15 @@
           <a:p>
             <a:pPr algn="ctr"/>
             <a:r>
-              <a:rPr lang="en-US" sz="3200" kern="1200">
+              <a:rPr lang="en-US" sz="3200" dirty="0">
+                <a:solidFill>
+                  <a:schemeClr val="bg1"/>
+                </a:solidFill>
+              </a:rPr>
+              <a:t>At what stage </a:t>
+            </a:r>
+            <a:r>
+              <a:rPr lang="en-US" sz="3200" kern="1200" dirty="0">
                 <a:solidFill>
                   <a:schemeClr val="bg1"/>
                 </a:solidFill>
@@ -12045,45 +13590,61 @@
                 <a:ea typeface="+mj-ea"/>
                 <a:cs typeface="+mj-cs"/>
               </a:rPr>
-              <a:t>Lift and Shift (Rehost) vs Reachitect (Refactor)</a:t>
+              <a:t>is ADS used?</a:t>
             </a:r>
           </a:p>
         </p:txBody>
       </p:sp>
       <p:pic>
         <p:nvPicPr>
-          <p:cNvPr id="4" name="Picture 3">
+          <p:cNvPr id="5122" name="Picture 2" descr="AWS Application Discovery Service use cases">
             <a:extLst>
               <a:ext uri="{FF2B5EF4-FFF2-40B4-BE49-F238E27FC236}">
-                <a16:creationId xmlns:a16="http://schemas.microsoft.com/office/drawing/2014/main" id="{87F2DB9D-0FB0-D75B-3E5E-52631454F04A}"/>
+                <a16:creationId xmlns:a16="http://schemas.microsoft.com/office/drawing/2014/main" id="{2B037EF4-9B8E-EB6B-3EFE-117448128864}"/>
               </a:ext>
             </a:extLst>
           </p:cNvPr>
           <p:cNvPicPr>
-            <a:picLocks noChangeAspect="1"/>
+            <a:picLocks noChangeAspect="1" noChangeArrowheads="1"/>
           </p:cNvPicPr>
           <p:nvPr/>
         </p:nvPicPr>
         <p:blipFill>
-          <a:blip r:embed="rId2"/>
+          <a:blip r:embed="rId3">
+            <a:extLst>
+              <a:ext uri="{28A0092B-C50C-407E-A947-70E740481C1C}">
+                <a14:useLocalDpi xmlns:a14="http://schemas.microsoft.com/office/drawing/2010/main" val="0"/>
+              </a:ext>
+            </a:extLst>
+          </a:blip>
           <a:stretch>
             <a:fillRect/>
           </a:stretch>
         </p:blipFill>
-        <p:spPr>
+        <p:spPr bwMode="auto">
           <a:xfrm>
-            <a:off x="2209800" y="1507799"/>
-            <a:ext cx="7772400" cy="5205652"/>
+            <a:off x="737222" y="1675227"/>
+            <a:ext cx="10717556" cy="4394199"/>
           </a:xfrm>
           <a:prstGeom prst="rect">
             <a:avLst/>
           </a:prstGeom>
+          <a:noFill/>
+          <a:extLst>
+            <a:ext uri="{909E8E84-426E-40DD-AFC4-6F175D3DCCD1}">
+              <a14:hiddenFill xmlns:a14="http://schemas.microsoft.com/office/drawing/2010/main">
+                <a:solidFill>
+                  <a:srgbClr val="FFFFFF"/>
+                </a:solidFill>
+              </a14:hiddenFill>
+            </a:ext>
+          </a:extLst>
         </p:spPr>
       </p:pic>
     </p:spTree>
     <p:extLst>
       <p:ext uri="{BB962C8B-B14F-4D97-AF65-F5344CB8AC3E}">
-        <p14:creationId xmlns:p14="http://schemas.microsoft.com/office/powerpoint/2010/main" val="2174083605"/>
+        <p14:creationId xmlns:p14="http://schemas.microsoft.com/office/powerpoint/2010/main" val="780638543"/>
       </p:ext>
     </p:extLst>
   </p:cSld>
@@ -12118,12 +13679,12 @@
           <a:chExt cx="0" cy="0"/>
         </a:xfrm>
       </p:grpSpPr>
-      <p:sp useBgFill="1">
+      <p:sp>
         <p:nvSpPr>
-          <p:cNvPr id="8" name="Rectangle 7">
+          <p:cNvPr id="3081" name="Rectangle 3078">
             <a:extLst>
               <a:ext uri="{FF2B5EF4-FFF2-40B4-BE49-F238E27FC236}">
-                <a16:creationId xmlns:a16="http://schemas.microsoft.com/office/drawing/2014/main" id="{907EF6B7-1338-4443-8C46-6A318D952DFD}"/>
+                <a16:creationId xmlns:a16="http://schemas.microsoft.com/office/drawing/2014/main" id="{A4AC5506-6312-4701-8D3C-40187889A947}"/>
               </a:ext>
               <a:ext uri="{C183D7F6-B498-43B3-948B-1728B52AA6E4}">
                 <adec:decorative xmlns:adec="http://schemas.microsoft.com/office/drawing/2017/decorative" val="1"/>
@@ -12143,145 +13704,14 @@
         </p:nvSpPr>
         <p:spPr>
           <a:xfrm>
-            <a:off x="3048" y="0"/>
-            <a:ext cx="12188952" cy="6858000"/>
+            <a:off x="0" y="651752"/>
+            <a:ext cx="12192000" cy="736551"/>
           </a:xfrm>
           <a:prstGeom prst="rect">
             <a:avLst/>
           </a:prstGeom>
-          <a:ln>
-            <a:noFill/>
-          </a:ln>
-        </p:spPr>
-        <p:style>
-          <a:lnRef idx="2">
-            <a:schemeClr val="accent1">
-              <a:shade val="50000"/>
-            </a:schemeClr>
-          </a:lnRef>
-          <a:fillRef idx="1">
-            <a:schemeClr val="accent1"/>
-          </a:fillRef>
-          <a:effectRef idx="0">
-            <a:schemeClr val="accent1"/>
-          </a:effectRef>
-          <a:fontRef idx="minor">
-            <a:schemeClr val="lt1"/>
-          </a:fontRef>
-        </p:style>
-        <p:txBody>
-          <a:bodyPr rtlCol="0" anchor="ctr"/>
-          <a:lstStyle/>
-          <a:p>
-            <a:pPr algn="ctr"/>
-            <a:endParaRPr lang="en-US"/>
-          </a:p>
-        </p:txBody>
-      </p:sp>
-      <p:sp>
-        <p:nvSpPr>
-          <p:cNvPr id="10" name="Freeform: Shape 9">
-            <a:extLst>
-              <a:ext uri="{FF2B5EF4-FFF2-40B4-BE49-F238E27FC236}">
-                <a16:creationId xmlns:a16="http://schemas.microsoft.com/office/drawing/2014/main" id="{DAAE4CDD-124C-4DCF-9584-B6033B545DD5}"/>
-              </a:ext>
-              <a:ext uri="{C183D7F6-B498-43B3-948B-1728B52AA6E4}">
-                <adec:decorative xmlns:adec="http://schemas.microsoft.com/office/drawing/2017/decorative" val="1"/>
-              </a:ext>
-            </a:extLst>
-          </p:cNvPr>
-          <p:cNvSpPr>
-            <a:spLocks noGrp="1" noRot="1" noChangeAspect="1" noMove="1" noResize="1" noEditPoints="1" noAdjustHandles="1" noChangeArrowheads="1" noChangeShapeType="1" noTextEdit="1"/>
-          </p:cNvSpPr>
-          <p:nvPr>
-            <p:extLst>
-              <p:ext uri="{386F3935-93C4-4BCD-93E2-E3B085C9AB24}">
-                <p16:designElem xmlns:p16="http://schemas.microsoft.com/office/powerpoint/2015/main" val="1"/>
-              </p:ext>
-            </p:extLst>
-          </p:nvPr>
-        </p:nvSpPr>
-        <p:spPr>
-          <a:xfrm>
-            <a:off x="1" y="0"/>
-            <a:ext cx="4167271" cy="6858000"/>
-          </a:xfrm>
-          <a:custGeom>
-            <a:avLst/>
-            <a:gdLst>
-              <a:gd name="connsiteX0" fmla="*/ 0 w 4167271"/>
-              <a:gd name="connsiteY0" fmla="*/ 0 h 6858000"/>
-              <a:gd name="connsiteX1" fmla="*/ 2259550 w 4167271"/>
-              <a:gd name="connsiteY1" fmla="*/ 0 h 6858000"/>
-              <a:gd name="connsiteX2" fmla="*/ 2387803 w 4167271"/>
-              <a:gd name="connsiteY2" fmla="*/ 82222 h 6858000"/>
-              <a:gd name="connsiteX3" fmla="*/ 4167271 w 4167271"/>
-              <a:gd name="connsiteY3" fmla="*/ 3429000 h 6858000"/>
-              <a:gd name="connsiteX4" fmla="*/ 2387803 w 4167271"/>
-              <a:gd name="connsiteY4" fmla="*/ 6775779 h 6858000"/>
-              <a:gd name="connsiteX5" fmla="*/ 2259550 w 4167271"/>
-              <a:gd name="connsiteY5" fmla="*/ 6858000 h 6858000"/>
-              <a:gd name="connsiteX6" fmla="*/ 0 w 4167271"/>
-              <a:gd name="connsiteY6" fmla="*/ 6858000 h 6858000"/>
-            </a:gdLst>
-            <a:ahLst/>
-            <a:cxnLst>
-              <a:cxn ang="0">
-                <a:pos x="connsiteX0" y="connsiteY0"/>
-              </a:cxn>
-              <a:cxn ang="0">
-                <a:pos x="connsiteX1" y="connsiteY1"/>
-              </a:cxn>
-              <a:cxn ang="0">
-                <a:pos x="connsiteX2" y="connsiteY2"/>
-              </a:cxn>
-              <a:cxn ang="0">
-                <a:pos x="connsiteX3" y="connsiteY3"/>
-              </a:cxn>
-              <a:cxn ang="0">
-                <a:pos x="connsiteX4" y="connsiteY4"/>
-              </a:cxn>
-              <a:cxn ang="0">
-                <a:pos x="connsiteX5" y="connsiteY5"/>
-              </a:cxn>
-              <a:cxn ang="0">
-                <a:pos x="connsiteX6" y="connsiteY6"/>
-              </a:cxn>
-            </a:cxnLst>
-            <a:rect l="l" t="t" r="r" b="b"/>
-            <a:pathLst>
-              <a:path w="4167271" h="6858000">
-                <a:moveTo>
-                  <a:pt x="0" y="0"/>
-                </a:moveTo>
-                <a:lnTo>
-                  <a:pt x="2259550" y="0"/>
-                </a:lnTo>
-                <a:lnTo>
-                  <a:pt x="2387803" y="82222"/>
-                </a:lnTo>
-                <a:cubicBezTo>
-                  <a:pt x="3461407" y="807534"/>
-                  <a:pt x="4167271" y="2035835"/>
-                  <a:pt x="4167271" y="3429000"/>
-                </a:cubicBezTo>
-                <a:cubicBezTo>
-                  <a:pt x="4167271" y="4822165"/>
-                  <a:pt x="3461407" y="6050467"/>
-                  <a:pt x="2387803" y="6775779"/>
-                </a:cubicBezTo>
-                <a:lnTo>
-                  <a:pt x="2259550" y="6858000"/>
-                </a:lnTo>
-                <a:lnTo>
-                  <a:pt x="0" y="6858000"/>
-                </a:lnTo>
-                <a:close/>
-              </a:path>
-            </a:pathLst>
-          </a:custGeom>
           <a:solidFill>
-            <a:schemeClr val="accent2"/>
+            <a:schemeClr val="tx1"/>
           </a:solidFill>
           <a:ln>
             <a:noFill/>
@@ -12317,7 +13747,7 @@
           <p:cNvPr id="2" name="Title 1">
             <a:extLst>
               <a:ext uri="{FF2B5EF4-FFF2-40B4-BE49-F238E27FC236}">
-                <a16:creationId xmlns:a16="http://schemas.microsoft.com/office/drawing/2014/main" id="{62E032C4-9AC9-DE32-48B5-1A84A9D3D208}"/>
+                <a16:creationId xmlns:a16="http://schemas.microsoft.com/office/drawing/2014/main" id="{E017A88A-31ED-D1DF-1D7B-66B375DB57EE}"/>
               </a:ext>
             </a:extLst>
           </p:cNvPr>
@@ -12330,163 +13760,65 @@
         </p:nvSpPr>
         <p:spPr>
           <a:xfrm>
-            <a:off x="686834" y="1153572"/>
-            <a:ext cx="3200400" cy="4461163"/>
+            <a:off x="556532" y="643467"/>
+            <a:ext cx="11210925" cy="744836"/>
           </a:xfrm>
         </p:spPr>
         <p:txBody>
-          <a:bodyPr>
+          <a:bodyPr vert="horz" lIns="91440" tIns="45720" rIns="91440" bIns="45720" rtlCol="0" anchor="ctr">
             <a:normAutofit/>
           </a:bodyPr>
           <a:lstStyle/>
           <a:p>
-            <a:r>
-              <a:rPr lang="en-CH">
+            <a:pPr algn="ctr"/>
+            <a:r>
+              <a:rPr lang="en-US" sz="3200" kern="1200">
                 <a:solidFill>
-                  <a:srgbClr val="FFFFFF"/>
+                  <a:schemeClr val="bg1"/>
                 </a:solidFill>
-                <a:latin typeface="+mn-lt"/>
+                <a:latin typeface="+mj-lt"/>
+                <a:ea typeface="+mj-ea"/>
+                <a:cs typeface="+mj-cs"/>
               </a:rPr>
-              <a:t>AWS ADS </a:t>
-            </a:r>
-            <a:r>
-              <a:rPr lang="en-GB" i="0">
-                <a:solidFill>
-                  <a:srgbClr val="FFFFFF"/>
-                </a:solidFill>
-                <a:effectLst/>
-                <a:latin typeface="+mn-lt"/>
-              </a:rPr>
-              <a:t>Agentless</a:t>
-            </a:r>
-            <a:endParaRPr lang="en-CH">
-              <a:solidFill>
-                <a:srgbClr val="FFFFFF"/>
-              </a:solidFill>
-              <a:latin typeface="+mn-lt"/>
-            </a:endParaRPr>
+              <a:t>Lift and Shift (Rehost) vs Reachitect (Refactor)</a:t>
+            </a:r>
           </a:p>
         </p:txBody>
       </p:sp>
-      <p:sp>
-        <p:nvSpPr>
-          <p:cNvPr id="12" name="Arc 11">
+      <p:pic>
+        <p:nvPicPr>
+          <p:cNvPr id="4" name="Picture 3">
             <a:extLst>
               <a:ext uri="{FF2B5EF4-FFF2-40B4-BE49-F238E27FC236}">
-                <a16:creationId xmlns:a16="http://schemas.microsoft.com/office/drawing/2014/main" id="{081E4A58-353D-44AE-B2FC-2A74E2E400F7}"/>
-              </a:ext>
-              <a:ext uri="{C183D7F6-B498-43B3-948B-1728B52AA6E4}">
-                <adec:decorative xmlns:adec="http://schemas.microsoft.com/office/drawing/2017/decorative" val="1"/>
+                <a16:creationId xmlns:a16="http://schemas.microsoft.com/office/drawing/2014/main" id="{87F2DB9D-0FB0-D75B-3E5E-52631454F04A}"/>
               </a:ext>
             </a:extLst>
           </p:cNvPr>
-          <p:cNvSpPr>
-            <a:spLocks noGrp="1" noRot="1" noChangeAspect="1" noMove="1" noResize="1" noEditPoints="1" noAdjustHandles="1" noChangeArrowheads="1" noChangeShapeType="1" noTextEdit="1"/>
-          </p:cNvSpPr>
-          <p:nvPr>
-            <p:extLst>
-              <p:ext uri="{386F3935-93C4-4BCD-93E2-E3B085C9AB24}">
-                <p16:designElem xmlns:p16="http://schemas.microsoft.com/office/powerpoint/2015/main" val="1"/>
-              </p:ext>
-            </p:extLst>
-          </p:nvPr>
-        </p:nvSpPr>
+          <p:cNvPicPr>
+            <a:picLocks noChangeAspect="1"/>
+          </p:cNvPicPr>
+          <p:nvPr/>
+        </p:nvPicPr>
+        <p:blipFill>
+          <a:blip r:embed="rId2"/>
+          <a:stretch>
+            <a:fillRect/>
+          </a:stretch>
+        </p:blipFill>
         <p:spPr>
-          <a:xfrm flipV="1">
-            <a:off x="7550402" y="2455479"/>
-            <a:ext cx="4083433" cy="4083433"/>
+          <a:xfrm>
+            <a:off x="2209800" y="1507799"/>
+            <a:ext cx="7772400" cy="5205652"/>
           </a:xfrm>
-          <a:prstGeom prst="arc">
+          <a:prstGeom prst="rect">
             <a:avLst/>
           </a:prstGeom>
-          <a:ln w="127000" cap="rnd">
-            <a:solidFill>
-              <a:schemeClr val="accent4"/>
-            </a:solidFill>
-            <a:prstDash val="dash"/>
-          </a:ln>
         </p:spPr>
-        <p:style>
-          <a:lnRef idx="1">
-            <a:schemeClr val="accent1"/>
-          </a:lnRef>
-          <a:fillRef idx="0">
-            <a:schemeClr val="accent1"/>
-          </a:fillRef>
-          <a:effectRef idx="0">
-            <a:schemeClr val="accent1"/>
-          </a:effectRef>
-          <a:fontRef idx="minor">
-            <a:schemeClr val="tx1"/>
-          </a:fontRef>
-        </p:style>
-        <p:txBody>
-          <a:bodyPr rtlCol="0" anchor="ctr"/>
-          <a:lstStyle/>
-          <a:p>
-            <a:pPr algn="ctr"/>
-            <a:endParaRPr lang="en-US" dirty="0"/>
-          </a:p>
-        </p:txBody>
-      </p:sp>
-      <p:sp>
-        <p:nvSpPr>
-          <p:cNvPr id="20" name="Content Placeholder 2">
-            <a:extLst>
-              <a:ext uri="{FF2B5EF4-FFF2-40B4-BE49-F238E27FC236}">
-                <a16:creationId xmlns:a16="http://schemas.microsoft.com/office/drawing/2014/main" id="{1ACA2A7E-0F0E-4BDE-640D-5736B24CE4C8}"/>
-              </a:ext>
-            </a:extLst>
-          </p:cNvPr>
-          <p:cNvSpPr>
-            <a:spLocks noGrp="1"/>
-          </p:cNvSpPr>
-          <p:nvPr>
-            <p:ph idx="1"/>
-          </p:nvPr>
-        </p:nvSpPr>
-        <p:spPr>
-          <a:xfrm>
-            <a:off x="4447308" y="591344"/>
-            <a:ext cx="6906491" cy="5585619"/>
-          </a:xfrm>
-        </p:spPr>
-        <p:txBody>
-          <a:bodyPr anchor="ctr">
-            <a:normAutofit/>
-          </a:bodyPr>
-          <a:lstStyle/>
-          <a:p>
-            <a:r>
-              <a:rPr lang="en-GB" sz="2400" dirty="0"/>
-              <a:t>The agentless model enables an organization to gather data about its infrastructure without having to install the AWS Application Discovery agent onto its host servers or virtual machines (VMs). </a:t>
-            </a:r>
-          </a:p>
-          <a:p>
-            <a:r>
-              <a:rPr lang="en-GB" sz="2400" dirty="0"/>
-              <a:t>The agentless model, which Amazon recommends for enterprises that use VMware vCenter Server, can also collect data regardless of the server operating system in use. </a:t>
-            </a:r>
-          </a:p>
-          <a:p>
-            <a:r>
-              <a:rPr lang="en-GB" sz="2400" dirty="0"/>
-              <a:t>Agentless discovery collects configuration data, such as IP addresses, CPU allocation and network throughput, but is limited to 10 GB of data per day. </a:t>
-            </a:r>
-          </a:p>
-          <a:p>
-            <a:r>
-              <a:rPr lang="en-GB" sz="2400" dirty="0"/>
-              <a:t>To use agentless discovery, an IT professional must deploy and configure the AWS Agentless Discovery Connector virtual appliance.</a:t>
-            </a:r>
-            <a:endParaRPr lang="en-CH" sz="2400" dirty="0"/>
-          </a:p>
-        </p:txBody>
-      </p:sp>
+      </p:pic>
     </p:spTree>
     <p:extLst>
       <p:ext uri="{BB962C8B-B14F-4D97-AF65-F5344CB8AC3E}">
-        <p14:creationId xmlns:p14="http://schemas.microsoft.com/office/powerpoint/2010/main" val="2303520826"/>
+        <p14:creationId xmlns:p14="http://schemas.microsoft.com/office/powerpoint/2010/main" val="2174083605"/>
       </p:ext>
     </p:extLst>
   </p:cSld>
@@ -13325,24 +14657,21 @@
           <a:lstStyle/>
           <a:p>
             <a:r>
-              <a:rPr lang="en-GB" sz="2200" dirty="0"/>
+              <a:rPr lang="en-GB" sz="2400" dirty="0"/>
               <a:t>VMware vCenter Server is the centralized monitoring and resource management software for VMware vSphere virtual infrastructure.</a:t>
             </a:r>
           </a:p>
           <a:p>
             <a:r>
-              <a:rPr lang="en-GB" sz="2200" b="0" i="0" dirty="0">
+              <a:rPr lang="en-GB" sz="2400" b="0" i="0" dirty="0">
                 <a:effectLst/>
-                <a:latin typeface="Arial" panose="020B0604020202020204" pitchFamily="34" charset="0"/>
               </a:rPr>
               <a:t>VMware vCenter Server performs a number of tasks, including resource provisioning and allocation, performance monitoring, workflow automation and user privilege management</a:t>
             </a:r>
-          </a:p>
-          <a:p>
-            <a:endParaRPr lang="en-GB" sz="2200" dirty="0"/>
-          </a:p>
-          <a:p>
-            <a:endParaRPr lang="en-CH" sz="2200" dirty="0"/>
+            <a:endParaRPr lang="en-GB" sz="2400" dirty="0"/>
+          </a:p>
+          <a:p>
+            <a:endParaRPr lang="en-CH" sz="2400" dirty="0"/>
           </a:p>
         </p:txBody>
       </p:sp>
@@ -13436,7 +14765,7 @@
           <p:cNvPr id="8" name="Rectangle 7">
             <a:extLst>
               <a:ext uri="{FF2B5EF4-FFF2-40B4-BE49-F238E27FC236}">
-                <a16:creationId xmlns:a16="http://schemas.microsoft.com/office/drawing/2014/main" id="{100EDD19-6802-4EC3-95CE-CFFAB042CFD6}"/>
+                <a16:creationId xmlns:a16="http://schemas.microsoft.com/office/drawing/2014/main" id="{907EF6B7-1338-4443-8C46-6A318D952DFD}"/>
               </a:ext>
               <a:ext uri="{C183D7F6-B498-43B3-948B-1728B52AA6E4}">
                 <adec:decorative xmlns:adec="http://schemas.microsoft.com/office/drawing/2017/decorative" val="1"/>
@@ -13456,7 +14785,7 @@
         </p:nvSpPr>
         <p:spPr>
           <a:xfrm>
-            <a:off x="0" y="0"/>
+            <a:off x="3048" y="0"/>
             <a:ext cx="12188952" cy="6858000"/>
           </a:xfrm>
           <a:prstGeom prst="rect">
@@ -13493,61 +14822,10 @@
       </p:sp>
       <p:sp>
         <p:nvSpPr>
-          <p:cNvPr id="2" name="Title 1">
+          <p:cNvPr id="10" name="Freeform: Shape 9">
             <a:extLst>
               <a:ext uri="{FF2B5EF4-FFF2-40B4-BE49-F238E27FC236}">
-                <a16:creationId xmlns:a16="http://schemas.microsoft.com/office/drawing/2014/main" id="{9F09BBB3-8256-92F8-B083-8350779515B8}"/>
-              </a:ext>
-            </a:extLst>
-          </p:cNvPr>
-          <p:cNvSpPr>
-            <a:spLocks noGrp="1"/>
-          </p:cNvSpPr>
-          <p:nvPr>
-            <p:ph type="title"/>
-          </p:nvPr>
-        </p:nvSpPr>
-        <p:spPr>
-          <a:xfrm>
-            <a:off x="838200" y="365125"/>
-            <a:ext cx="10515600" cy="869315"/>
-          </a:xfrm>
-        </p:spPr>
-        <p:txBody>
-          <a:bodyPr>
-            <a:normAutofit/>
-          </a:bodyPr>
-          <a:lstStyle/>
-          <a:p>
-            <a:r>
-              <a:rPr lang="en-CH" sz="5400" dirty="0">
-                <a:latin typeface="+mn-lt"/>
-              </a:rPr>
-              <a:t>AWS ADS </a:t>
-            </a:r>
-            <a:r>
-              <a:rPr lang="en-GB" sz="5400" dirty="0">
-                <a:latin typeface="+mn-lt"/>
-              </a:rPr>
-              <a:t>A</a:t>
-            </a:r>
-            <a:r>
-              <a:rPr lang="en-GB" sz="5400" i="0" dirty="0">
-                <a:effectLst/>
-                <a:latin typeface="+mn-lt"/>
-              </a:rPr>
-              <a:t>gent-based models</a:t>
-            </a:r>
-            <a:endParaRPr lang="en-CH" sz="5400" dirty="0"/>
-          </a:p>
-        </p:txBody>
-      </p:sp>
-      <p:sp>
-        <p:nvSpPr>
-          <p:cNvPr id="10" name="sketch line">
-            <a:extLst>
-              <a:ext uri="{FF2B5EF4-FFF2-40B4-BE49-F238E27FC236}">
-                <a16:creationId xmlns:a16="http://schemas.microsoft.com/office/drawing/2014/main" id="{DB17E863-922E-4C26-BD64-E8FD41D28661}"/>
+                <a16:creationId xmlns:a16="http://schemas.microsoft.com/office/drawing/2014/main" id="{DAAE4CDD-124C-4DCF-9584-B6033B545DD5}"/>
               </a:ext>
               <a:ext uri="{C183D7F6-B498-43B3-948B-1728B52AA6E4}">
                 <adec:decorative xmlns:adec="http://schemas.microsoft.com/office/drawing/2017/decorative" val="1"/>
@@ -13567,84 +14845,26 @@
         </p:nvSpPr>
         <p:spPr>
           <a:xfrm>
-            <a:off x="669036" y="1677373"/>
-            <a:ext cx="10853928" cy="18288"/>
+            <a:off x="1" y="0"/>
+            <a:ext cx="4167271" cy="6858000"/>
           </a:xfrm>
           <a:custGeom>
             <a:avLst/>
             <a:gdLst>
-              <a:gd name="connsiteX0" fmla="*/ 0 w 10853928"/>
-              <a:gd name="connsiteY0" fmla="*/ 0 h 18288"/>
-              <a:gd name="connsiteX1" fmla="*/ 461292 w 10853928"/>
-              <a:gd name="connsiteY1" fmla="*/ 0 h 18288"/>
-              <a:gd name="connsiteX2" fmla="*/ 1139662 w 10853928"/>
-              <a:gd name="connsiteY2" fmla="*/ 0 h 18288"/>
-              <a:gd name="connsiteX3" fmla="*/ 1926572 w 10853928"/>
-              <a:gd name="connsiteY3" fmla="*/ 0 h 18288"/>
-              <a:gd name="connsiteX4" fmla="*/ 2279325 w 10853928"/>
-              <a:gd name="connsiteY4" fmla="*/ 0 h 18288"/>
-              <a:gd name="connsiteX5" fmla="*/ 2632078 w 10853928"/>
-              <a:gd name="connsiteY5" fmla="*/ 0 h 18288"/>
-              <a:gd name="connsiteX6" fmla="*/ 3527527 w 10853928"/>
-              <a:gd name="connsiteY6" fmla="*/ 0 h 18288"/>
-              <a:gd name="connsiteX7" fmla="*/ 4205897 w 10853928"/>
-              <a:gd name="connsiteY7" fmla="*/ 0 h 18288"/>
-              <a:gd name="connsiteX8" fmla="*/ 4558650 w 10853928"/>
-              <a:gd name="connsiteY8" fmla="*/ 0 h 18288"/>
-              <a:gd name="connsiteX9" fmla="*/ 5237020 w 10853928"/>
-              <a:gd name="connsiteY9" fmla="*/ 0 h 18288"/>
-              <a:gd name="connsiteX10" fmla="*/ 6132469 w 10853928"/>
-              <a:gd name="connsiteY10" fmla="*/ 0 h 18288"/>
-              <a:gd name="connsiteX11" fmla="*/ 6702301 w 10853928"/>
-              <a:gd name="connsiteY11" fmla="*/ 0 h 18288"/>
-              <a:gd name="connsiteX12" fmla="*/ 7272132 w 10853928"/>
-              <a:gd name="connsiteY12" fmla="*/ 0 h 18288"/>
-              <a:gd name="connsiteX13" fmla="*/ 7950502 w 10853928"/>
-              <a:gd name="connsiteY13" fmla="*/ 0 h 18288"/>
-              <a:gd name="connsiteX14" fmla="*/ 8737412 w 10853928"/>
-              <a:gd name="connsiteY14" fmla="*/ 0 h 18288"/>
-              <a:gd name="connsiteX15" fmla="*/ 9524322 w 10853928"/>
-              <a:gd name="connsiteY15" fmla="*/ 0 h 18288"/>
-              <a:gd name="connsiteX16" fmla="*/ 10853928 w 10853928"/>
-              <a:gd name="connsiteY16" fmla="*/ 0 h 18288"/>
-              <a:gd name="connsiteX17" fmla="*/ 10853928 w 10853928"/>
-              <a:gd name="connsiteY17" fmla="*/ 18288 h 18288"/>
-              <a:gd name="connsiteX18" fmla="*/ 10392636 w 10853928"/>
-              <a:gd name="connsiteY18" fmla="*/ 18288 h 18288"/>
-              <a:gd name="connsiteX19" fmla="*/ 9497187 w 10853928"/>
-              <a:gd name="connsiteY19" fmla="*/ 18288 h 18288"/>
-              <a:gd name="connsiteX20" fmla="*/ 8818817 w 10853928"/>
-              <a:gd name="connsiteY20" fmla="*/ 18288 h 18288"/>
-              <a:gd name="connsiteX21" fmla="*/ 8466064 w 10853928"/>
-              <a:gd name="connsiteY21" fmla="*/ 18288 h 18288"/>
-              <a:gd name="connsiteX22" fmla="*/ 7787693 w 10853928"/>
-              <a:gd name="connsiteY22" fmla="*/ 18288 h 18288"/>
-              <a:gd name="connsiteX23" fmla="*/ 7217862 w 10853928"/>
-              <a:gd name="connsiteY23" fmla="*/ 18288 h 18288"/>
-              <a:gd name="connsiteX24" fmla="*/ 6648031 w 10853928"/>
-              <a:gd name="connsiteY24" fmla="*/ 18288 h 18288"/>
-              <a:gd name="connsiteX25" fmla="*/ 6078200 w 10853928"/>
-              <a:gd name="connsiteY25" fmla="*/ 18288 h 18288"/>
-              <a:gd name="connsiteX26" fmla="*/ 5508368 w 10853928"/>
-              <a:gd name="connsiteY26" fmla="*/ 18288 h 18288"/>
-              <a:gd name="connsiteX27" fmla="*/ 4721459 w 10853928"/>
-              <a:gd name="connsiteY27" fmla="*/ 18288 h 18288"/>
-              <a:gd name="connsiteX28" fmla="*/ 4043088 w 10853928"/>
-              <a:gd name="connsiteY28" fmla="*/ 18288 h 18288"/>
-              <a:gd name="connsiteX29" fmla="*/ 3690336 w 10853928"/>
-              <a:gd name="connsiteY29" fmla="*/ 18288 h 18288"/>
-              <a:gd name="connsiteX30" fmla="*/ 3120504 w 10853928"/>
-              <a:gd name="connsiteY30" fmla="*/ 18288 h 18288"/>
-              <a:gd name="connsiteX31" fmla="*/ 2333595 w 10853928"/>
-              <a:gd name="connsiteY31" fmla="*/ 18288 h 18288"/>
-              <a:gd name="connsiteX32" fmla="*/ 1872303 w 10853928"/>
-              <a:gd name="connsiteY32" fmla="*/ 18288 h 18288"/>
-              <a:gd name="connsiteX33" fmla="*/ 976854 w 10853928"/>
-              <a:gd name="connsiteY33" fmla="*/ 18288 h 18288"/>
-              <a:gd name="connsiteX34" fmla="*/ 0 w 10853928"/>
-              <a:gd name="connsiteY34" fmla="*/ 18288 h 18288"/>
-              <a:gd name="connsiteX35" fmla="*/ 0 w 10853928"/>
-              <a:gd name="connsiteY35" fmla="*/ 0 h 18288"/>
+              <a:gd name="connsiteX0" fmla="*/ 0 w 4167271"/>
+              <a:gd name="connsiteY0" fmla="*/ 0 h 6858000"/>
+              <a:gd name="connsiteX1" fmla="*/ 2259550 w 4167271"/>
+              <a:gd name="connsiteY1" fmla="*/ 0 h 6858000"/>
+              <a:gd name="connsiteX2" fmla="*/ 2387803 w 4167271"/>
+              <a:gd name="connsiteY2" fmla="*/ 82222 h 6858000"/>
+              <a:gd name="connsiteX3" fmla="*/ 4167271 w 4167271"/>
+              <a:gd name="connsiteY3" fmla="*/ 3429000 h 6858000"/>
+              <a:gd name="connsiteX4" fmla="*/ 2387803 w 4167271"/>
+              <a:gd name="connsiteY4" fmla="*/ 6775779 h 6858000"/>
+              <a:gd name="connsiteX5" fmla="*/ 2259550 w 4167271"/>
+              <a:gd name="connsiteY5" fmla="*/ 6858000 h 6858000"/>
+              <a:gd name="connsiteX6" fmla="*/ 0 w 4167271"/>
+              <a:gd name="connsiteY6" fmla="*/ 6858000 h 6858000"/>
             </a:gdLst>
             <a:ahLst/>
             <a:cxnLst>
@@ -13669,466 +14889,35 @@
               <a:cxn ang="0">
                 <a:pos x="connsiteX6" y="connsiteY6"/>
               </a:cxn>
-              <a:cxn ang="0">
-                <a:pos x="connsiteX7" y="connsiteY7"/>
-              </a:cxn>
-              <a:cxn ang="0">
-                <a:pos x="connsiteX8" y="connsiteY8"/>
-              </a:cxn>
-              <a:cxn ang="0">
-                <a:pos x="connsiteX9" y="connsiteY9"/>
-              </a:cxn>
-              <a:cxn ang="0">
-                <a:pos x="connsiteX10" y="connsiteY10"/>
-              </a:cxn>
-              <a:cxn ang="0">
-                <a:pos x="connsiteX11" y="connsiteY11"/>
-              </a:cxn>
-              <a:cxn ang="0">
-                <a:pos x="connsiteX12" y="connsiteY12"/>
-              </a:cxn>
-              <a:cxn ang="0">
-                <a:pos x="connsiteX13" y="connsiteY13"/>
-              </a:cxn>
-              <a:cxn ang="0">
-                <a:pos x="connsiteX14" y="connsiteY14"/>
-              </a:cxn>
-              <a:cxn ang="0">
-                <a:pos x="connsiteX15" y="connsiteY15"/>
-              </a:cxn>
-              <a:cxn ang="0">
-                <a:pos x="connsiteX16" y="connsiteY16"/>
-              </a:cxn>
-              <a:cxn ang="0">
-                <a:pos x="connsiteX17" y="connsiteY17"/>
-              </a:cxn>
-              <a:cxn ang="0">
-                <a:pos x="connsiteX18" y="connsiteY18"/>
-              </a:cxn>
-              <a:cxn ang="0">
-                <a:pos x="connsiteX19" y="connsiteY19"/>
-              </a:cxn>
-              <a:cxn ang="0">
-                <a:pos x="connsiteX20" y="connsiteY20"/>
-              </a:cxn>
-              <a:cxn ang="0">
-                <a:pos x="connsiteX21" y="connsiteY21"/>
-              </a:cxn>
-              <a:cxn ang="0">
-                <a:pos x="connsiteX22" y="connsiteY22"/>
-              </a:cxn>
-              <a:cxn ang="0">
-                <a:pos x="connsiteX23" y="connsiteY23"/>
-              </a:cxn>
-              <a:cxn ang="0">
-                <a:pos x="connsiteX24" y="connsiteY24"/>
-              </a:cxn>
-              <a:cxn ang="0">
-                <a:pos x="connsiteX25" y="connsiteY25"/>
-              </a:cxn>
-              <a:cxn ang="0">
-                <a:pos x="connsiteX26" y="connsiteY26"/>
-              </a:cxn>
-              <a:cxn ang="0">
-                <a:pos x="connsiteX27" y="connsiteY27"/>
-              </a:cxn>
-              <a:cxn ang="0">
-                <a:pos x="connsiteX28" y="connsiteY28"/>
-              </a:cxn>
-              <a:cxn ang="0">
-                <a:pos x="connsiteX29" y="connsiteY29"/>
-              </a:cxn>
-              <a:cxn ang="0">
-                <a:pos x="connsiteX30" y="connsiteY30"/>
-              </a:cxn>
-              <a:cxn ang="0">
-                <a:pos x="connsiteX31" y="connsiteY31"/>
-              </a:cxn>
-              <a:cxn ang="0">
-                <a:pos x="connsiteX32" y="connsiteY32"/>
-              </a:cxn>
-              <a:cxn ang="0">
-                <a:pos x="connsiteX33" y="connsiteY33"/>
-              </a:cxn>
-              <a:cxn ang="0">
-                <a:pos x="connsiteX34" y="connsiteY34"/>
-              </a:cxn>
-              <a:cxn ang="0">
-                <a:pos x="connsiteX35" y="connsiteY35"/>
-              </a:cxn>
             </a:cxnLst>
             <a:rect l="l" t="t" r="r" b="b"/>
             <a:pathLst>
-              <a:path w="10853928" h="18288" fill="none" extrusionOk="0">
+              <a:path w="4167271" h="6858000">
                 <a:moveTo>
                   <a:pt x="0" y="0"/>
                 </a:moveTo>
-                <a:cubicBezTo>
-                  <a:pt x="146993" y="-19076"/>
-                  <a:pt x="347684" y="-4790"/>
-                  <a:pt x="461292" y="0"/>
-                </a:cubicBezTo>
-                <a:cubicBezTo>
-                  <a:pt x="574900" y="4790"/>
-                  <a:pt x="808367" y="19821"/>
-                  <a:pt x="1139662" y="0"/>
-                </a:cubicBezTo>
-                <a:cubicBezTo>
-                  <a:pt x="1470957" y="-19821"/>
-                  <a:pt x="1627405" y="5721"/>
-                  <a:pt x="1926572" y="0"/>
-                </a:cubicBezTo>
-                <a:cubicBezTo>
-                  <a:pt x="2225739" y="-5721"/>
-                  <a:pt x="2137730" y="-3235"/>
-                  <a:pt x="2279325" y="0"/>
-                </a:cubicBezTo>
-                <a:cubicBezTo>
-                  <a:pt x="2420920" y="3235"/>
-                  <a:pt x="2456518" y="9685"/>
-                  <a:pt x="2632078" y="0"/>
-                </a:cubicBezTo>
-                <a:cubicBezTo>
-                  <a:pt x="2807638" y="-9685"/>
-                  <a:pt x="3211516" y="-43007"/>
-                  <a:pt x="3527527" y="0"/>
-                </a:cubicBezTo>
-                <a:cubicBezTo>
-                  <a:pt x="3843538" y="43007"/>
-                  <a:pt x="4058833" y="22042"/>
-                  <a:pt x="4205897" y="0"/>
-                </a:cubicBezTo>
-                <a:cubicBezTo>
-                  <a:pt x="4352961" y="-22042"/>
-                  <a:pt x="4474805" y="-11846"/>
-                  <a:pt x="4558650" y="0"/>
-                </a:cubicBezTo>
-                <a:cubicBezTo>
-                  <a:pt x="4642495" y="11846"/>
-                  <a:pt x="5041928" y="-6069"/>
-                  <a:pt x="5237020" y="0"/>
-                </a:cubicBezTo>
-                <a:cubicBezTo>
-                  <a:pt x="5432112" y="6069"/>
-                  <a:pt x="5943266" y="-17479"/>
-                  <a:pt x="6132469" y="0"/>
-                </a:cubicBezTo>
-                <a:cubicBezTo>
-                  <a:pt x="6321672" y="17479"/>
-                  <a:pt x="6483872" y="26234"/>
-                  <a:pt x="6702301" y="0"/>
-                </a:cubicBezTo>
-                <a:cubicBezTo>
-                  <a:pt x="6920730" y="-26234"/>
-                  <a:pt x="6991194" y="-15156"/>
-                  <a:pt x="7272132" y="0"/>
-                </a:cubicBezTo>
-                <a:cubicBezTo>
-                  <a:pt x="7553070" y="15156"/>
-                  <a:pt x="7684444" y="-32961"/>
-                  <a:pt x="7950502" y="0"/>
-                </a:cubicBezTo>
-                <a:cubicBezTo>
-                  <a:pt x="8216560" y="32961"/>
-                  <a:pt x="8493290" y="-10491"/>
-                  <a:pt x="8737412" y="0"/>
-                </a:cubicBezTo>
-                <a:cubicBezTo>
-                  <a:pt x="8981534" y="10491"/>
-                  <a:pt x="9191586" y="-13899"/>
-                  <a:pt x="9524322" y="0"/>
-                </a:cubicBezTo>
-                <a:cubicBezTo>
-                  <a:pt x="9857058" y="13899"/>
-                  <a:pt x="10297509" y="7485"/>
-                  <a:pt x="10853928" y="0"/>
-                </a:cubicBezTo>
-                <a:cubicBezTo>
-                  <a:pt x="10854574" y="4451"/>
-                  <a:pt x="10854418" y="9226"/>
-                  <a:pt x="10853928" y="18288"/>
-                </a:cubicBezTo>
-                <a:cubicBezTo>
-                  <a:pt x="10691638" y="28522"/>
-                  <a:pt x="10574319" y="29578"/>
-                  <a:pt x="10392636" y="18288"/>
-                </a:cubicBezTo>
-                <a:cubicBezTo>
-                  <a:pt x="10210953" y="6998"/>
-                  <a:pt x="9836277" y="-16742"/>
-                  <a:pt x="9497187" y="18288"/>
-                </a:cubicBezTo>
-                <a:cubicBezTo>
-                  <a:pt x="9158097" y="53318"/>
-                  <a:pt x="9119479" y="30714"/>
-                  <a:pt x="8818817" y="18288"/>
-                </a:cubicBezTo>
-                <a:cubicBezTo>
-                  <a:pt x="8518155" y="5863"/>
-                  <a:pt x="8640037" y="6483"/>
-                  <a:pt x="8466064" y="18288"/>
-                </a:cubicBezTo>
-                <a:cubicBezTo>
-                  <a:pt x="8292091" y="30093"/>
-                  <a:pt x="7997656" y="18914"/>
-                  <a:pt x="7787693" y="18288"/>
-                </a:cubicBezTo>
-                <a:cubicBezTo>
-                  <a:pt x="7577730" y="17662"/>
-                  <a:pt x="7412468" y="21416"/>
-                  <a:pt x="7217862" y="18288"/>
-                </a:cubicBezTo>
-                <a:cubicBezTo>
-                  <a:pt x="7023256" y="15160"/>
-                  <a:pt x="6898018" y="14824"/>
-                  <a:pt x="6648031" y="18288"/>
-                </a:cubicBezTo>
-                <a:cubicBezTo>
-                  <a:pt x="6398044" y="21752"/>
-                  <a:pt x="6254402" y="38625"/>
-                  <a:pt x="6078200" y="18288"/>
-                </a:cubicBezTo>
-                <a:cubicBezTo>
-                  <a:pt x="5901998" y="-2049"/>
-                  <a:pt x="5622886" y="3213"/>
-                  <a:pt x="5508368" y="18288"/>
-                </a:cubicBezTo>
-                <a:cubicBezTo>
-                  <a:pt x="5393850" y="33363"/>
-                  <a:pt x="5036260" y="26830"/>
-                  <a:pt x="4721459" y="18288"/>
-                </a:cubicBezTo>
-                <a:cubicBezTo>
-                  <a:pt x="4406658" y="9746"/>
-                  <a:pt x="4239221" y="41551"/>
-                  <a:pt x="4043088" y="18288"/>
-                </a:cubicBezTo>
-                <a:cubicBezTo>
-                  <a:pt x="3846955" y="-4975"/>
-                  <a:pt x="3818802" y="34658"/>
-                  <a:pt x="3690336" y="18288"/>
-                </a:cubicBezTo>
-                <a:cubicBezTo>
-                  <a:pt x="3561870" y="1918"/>
-                  <a:pt x="3265491" y="42194"/>
-                  <a:pt x="3120504" y="18288"/>
-                </a:cubicBezTo>
-                <a:cubicBezTo>
-                  <a:pt x="2975517" y="-5618"/>
-                  <a:pt x="2720254" y="36673"/>
-                  <a:pt x="2333595" y="18288"/>
-                </a:cubicBezTo>
-                <a:cubicBezTo>
-                  <a:pt x="1946936" y="-97"/>
-                  <a:pt x="2097241" y="5776"/>
-                  <a:pt x="1872303" y="18288"/>
-                </a:cubicBezTo>
-                <a:cubicBezTo>
-                  <a:pt x="1647365" y="30800"/>
-                  <a:pt x="1282708" y="45380"/>
-                  <a:pt x="976854" y="18288"/>
-                </a:cubicBezTo>
-                <a:cubicBezTo>
-                  <a:pt x="671000" y="-8804"/>
-                  <a:pt x="408401" y="-12775"/>
-                  <a:pt x="0" y="18288"/>
-                </a:cubicBezTo>
-                <a:cubicBezTo>
-                  <a:pt x="-213" y="9468"/>
-                  <a:pt x="187" y="4459"/>
-                  <a:pt x="0" y="0"/>
-                </a:cubicBezTo>
-                <a:close/>
-              </a:path>
-              <a:path w="10853928" h="18288" stroke="0" extrusionOk="0">
-                <a:moveTo>
-                  <a:pt x="0" y="0"/>
-                </a:moveTo>
-                <a:cubicBezTo>
-                  <a:pt x="267322" y="15284"/>
-                  <a:pt x="415388" y="-21048"/>
-                  <a:pt x="569831" y="0"/>
-                </a:cubicBezTo>
-                <a:cubicBezTo>
-                  <a:pt x="724274" y="21048"/>
-                  <a:pt x="769333" y="-2353"/>
-                  <a:pt x="922584" y="0"/>
-                </a:cubicBezTo>
-                <a:cubicBezTo>
-                  <a:pt x="1075835" y="2353"/>
-                  <a:pt x="1399490" y="-145"/>
-                  <a:pt x="1818033" y="0"/>
-                </a:cubicBezTo>
-                <a:cubicBezTo>
-                  <a:pt x="2236576" y="145"/>
-                  <a:pt x="2145330" y="5482"/>
-                  <a:pt x="2387864" y="0"/>
-                </a:cubicBezTo>
-                <a:cubicBezTo>
-                  <a:pt x="2630398" y="-5482"/>
-                  <a:pt x="2793207" y="18487"/>
-                  <a:pt x="2957695" y="0"/>
-                </a:cubicBezTo>
-                <a:cubicBezTo>
-                  <a:pt x="3122183" y="-18487"/>
-                  <a:pt x="3579141" y="19003"/>
-                  <a:pt x="3853144" y="0"/>
-                </a:cubicBezTo>
-                <a:cubicBezTo>
-                  <a:pt x="4127147" y="-19003"/>
-                  <a:pt x="4209857" y="12211"/>
-                  <a:pt x="4314436" y="0"/>
-                </a:cubicBezTo>
-                <a:cubicBezTo>
-                  <a:pt x="4419015" y="-12211"/>
-                  <a:pt x="4762459" y="-17220"/>
-                  <a:pt x="5209885" y="0"/>
-                </a:cubicBezTo>
-                <a:cubicBezTo>
-                  <a:pt x="5657311" y="17220"/>
-                  <a:pt x="5692663" y="-3290"/>
-                  <a:pt x="6105335" y="0"/>
-                </a:cubicBezTo>
-                <a:cubicBezTo>
-                  <a:pt x="6518007" y="3290"/>
-                  <a:pt x="6455516" y="-5124"/>
-                  <a:pt x="6783705" y="0"/>
-                </a:cubicBezTo>
-                <a:cubicBezTo>
-                  <a:pt x="7111894" y="5124"/>
-                  <a:pt x="7441941" y="-17829"/>
-                  <a:pt x="7679154" y="0"/>
-                </a:cubicBezTo>
-                <a:cubicBezTo>
-                  <a:pt x="7916367" y="17829"/>
-                  <a:pt x="8102967" y="-24363"/>
-                  <a:pt x="8248985" y="0"/>
-                </a:cubicBezTo>
-                <a:cubicBezTo>
-                  <a:pt x="8395003" y="24363"/>
-                  <a:pt x="8552393" y="25505"/>
-                  <a:pt x="8818817" y="0"/>
-                </a:cubicBezTo>
-                <a:cubicBezTo>
-                  <a:pt x="9085241" y="-25505"/>
-                  <a:pt x="9411308" y="38000"/>
-                  <a:pt x="9605726" y="0"/>
-                </a:cubicBezTo>
-                <a:cubicBezTo>
-                  <a:pt x="9800144" y="-38000"/>
-                  <a:pt x="10006468" y="-25741"/>
-                  <a:pt x="10175558" y="0"/>
-                </a:cubicBezTo>
-                <a:cubicBezTo>
-                  <a:pt x="10344648" y="25741"/>
-                  <a:pt x="10696282" y="695"/>
-                  <a:pt x="10853928" y="0"/>
-                </a:cubicBezTo>
-                <a:cubicBezTo>
-                  <a:pt x="10853521" y="8690"/>
-                  <a:pt x="10853774" y="14141"/>
-                  <a:pt x="10853928" y="18288"/>
-                </a:cubicBezTo>
-                <a:cubicBezTo>
-                  <a:pt x="10608124" y="24255"/>
-                  <a:pt x="10343415" y="22307"/>
-                  <a:pt x="10067018" y="18288"/>
-                </a:cubicBezTo>
-                <a:cubicBezTo>
-                  <a:pt x="9790621" y="14270"/>
-                  <a:pt x="9843266" y="3564"/>
-                  <a:pt x="9714266" y="18288"/>
-                </a:cubicBezTo>
-                <a:cubicBezTo>
-                  <a:pt x="9585266" y="33012"/>
-                  <a:pt x="9379484" y="1875"/>
-                  <a:pt x="9252974" y="18288"/>
-                </a:cubicBezTo>
-                <a:cubicBezTo>
-                  <a:pt x="9126464" y="34701"/>
-                  <a:pt x="8580678" y="-4904"/>
-                  <a:pt x="8357525" y="18288"/>
-                </a:cubicBezTo>
-                <a:cubicBezTo>
-                  <a:pt x="8134372" y="41480"/>
-                  <a:pt x="7903199" y="26458"/>
-                  <a:pt x="7679154" y="18288"/>
-                </a:cubicBezTo>
-                <a:cubicBezTo>
-                  <a:pt x="7455109" y="10118"/>
-                  <a:pt x="7435944" y="27109"/>
-                  <a:pt x="7217862" y="18288"/>
-                </a:cubicBezTo>
-                <a:cubicBezTo>
-                  <a:pt x="6999780" y="9467"/>
-                  <a:pt x="6680409" y="18985"/>
-                  <a:pt x="6539492" y="18288"/>
-                </a:cubicBezTo>
-                <a:cubicBezTo>
-                  <a:pt x="6398575" y="17592"/>
-                  <a:pt x="6312077" y="33018"/>
-                  <a:pt x="6186739" y="18288"/>
-                </a:cubicBezTo>
-                <a:cubicBezTo>
-                  <a:pt x="6061401" y="3558"/>
-                  <a:pt x="5947033" y="12075"/>
-                  <a:pt x="5833986" y="18288"/>
-                </a:cubicBezTo>
-                <a:cubicBezTo>
-                  <a:pt x="5720939" y="24501"/>
-                  <a:pt x="5482226" y="8586"/>
-                  <a:pt x="5155616" y="18288"/>
-                </a:cubicBezTo>
-                <a:cubicBezTo>
-                  <a:pt x="4829006" y="27991"/>
-                  <a:pt x="4841274" y="29316"/>
-                  <a:pt x="4694324" y="18288"/>
-                </a:cubicBezTo>
-                <a:cubicBezTo>
-                  <a:pt x="4547374" y="7260"/>
-                  <a:pt x="4077675" y="7013"/>
-                  <a:pt x="3907414" y="18288"/>
-                </a:cubicBezTo>
-                <a:cubicBezTo>
-                  <a:pt x="3737153" y="29564"/>
-                  <a:pt x="3538393" y="21630"/>
-                  <a:pt x="3446122" y="18288"/>
-                </a:cubicBezTo>
-                <a:cubicBezTo>
-                  <a:pt x="3353851" y="14946"/>
-                  <a:pt x="2990320" y="-8091"/>
-                  <a:pt x="2659212" y="18288"/>
-                </a:cubicBezTo>
-                <a:cubicBezTo>
-                  <a:pt x="2328104" y="44667"/>
-                  <a:pt x="2427653" y="9607"/>
-                  <a:pt x="2306460" y="18288"/>
-                </a:cubicBezTo>
-                <a:cubicBezTo>
-                  <a:pt x="2185267" y="26969"/>
-                  <a:pt x="1719763" y="3717"/>
-                  <a:pt x="1519550" y="18288"/>
-                </a:cubicBezTo>
-                <a:cubicBezTo>
-                  <a:pt x="1319337" y="32860"/>
-                  <a:pt x="1167371" y="17040"/>
-                  <a:pt x="1058258" y="18288"/>
-                </a:cubicBezTo>
-                <a:cubicBezTo>
-                  <a:pt x="949145" y="19536"/>
-                  <a:pt x="780234" y="31447"/>
-                  <a:pt x="705505" y="18288"/>
-                </a:cubicBezTo>
-                <a:cubicBezTo>
-                  <a:pt x="630776" y="5129"/>
-                  <a:pt x="215796" y="30056"/>
-                  <a:pt x="0" y="18288"/>
-                </a:cubicBezTo>
-                <a:cubicBezTo>
-                  <a:pt x="-53" y="11301"/>
-                  <a:pt x="-649" y="7756"/>
-                  <a:pt x="0" y="0"/>
-                </a:cubicBezTo>
+                <a:lnTo>
+                  <a:pt x="2259550" y="0"/>
+                </a:lnTo>
+                <a:lnTo>
+                  <a:pt x="2387803" y="82222"/>
+                </a:lnTo>
+                <a:cubicBezTo>
+                  <a:pt x="3461407" y="807534"/>
+                  <a:pt x="4167271" y="2035835"/>
+                  <a:pt x="4167271" y="3429000"/>
+                </a:cubicBezTo>
+                <a:cubicBezTo>
+                  <a:pt x="4167271" y="4822165"/>
+                  <a:pt x="3461407" y="6050467"/>
+                  <a:pt x="2387803" y="6775779"/>
+                </a:cubicBezTo>
+                <a:lnTo>
+                  <a:pt x="2259550" y="6858000"/>
+                </a:lnTo>
+                <a:lnTo>
+                  <a:pt x="0" y="6858000"/>
+                </a:lnTo>
                 <a:close/>
               </a:path>
             </a:pathLst>
@@ -14136,23 +14925,8 @@
           <a:solidFill>
             <a:schemeClr val="accent2"/>
           </a:solidFill>
-          <a:ln w="41275" cap="rnd">
-            <a:solidFill>
-              <a:schemeClr val="accent2"/>
-            </a:solidFill>
-            <a:round/>
-            <a:extLst>
-              <a:ext uri="{C807C97D-BFC1-408E-A445-0C87EB9F89A2}">
-                <ask:lineSketchStyleProps xmlns:ask="http://schemas.microsoft.com/office/drawing/2018/sketchyshapes" sd="1219033472">
-                  <a:prstGeom prst="rect">
-                    <a:avLst/>
-                  </a:prstGeom>
-                  <ask:type>
-                    <ask:lineSketchFreehand/>
-                  </ask:type>
-                </ask:lineSketchStyleProps>
-              </a:ext>
-            </a:extLst>
+          <a:ln>
+            <a:noFill/>
           </a:ln>
         </p:spPr>
         <p:style>
@@ -14182,10 +14956,127 @@
       </p:sp>
       <p:sp>
         <p:nvSpPr>
-          <p:cNvPr id="9" name="Content Placeholder 2">
+          <p:cNvPr id="2" name="Title 1">
             <a:extLst>
               <a:ext uri="{FF2B5EF4-FFF2-40B4-BE49-F238E27FC236}">
-                <a16:creationId xmlns:a16="http://schemas.microsoft.com/office/drawing/2014/main" id="{7BE2F9E8-ADF1-730E-A8CF-FAA50B8651F7}"/>
+                <a16:creationId xmlns:a16="http://schemas.microsoft.com/office/drawing/2014/main" id="{62E032C4-9AC9-DE32-48B5-1A84A9D3D208}"/>
+              </a:ext>
+            </a:extLst>
+          </p:cNvPr>
+          <p:cNvSpPr>
+            <a:spLocks noGrp="1"/>
+          </p:cNvSpPr>
+          <p:nvPr>
+            <p:ph type="title"/>
+          </p:nvPr>
+        </p:nvSpPr>
+        <p:spPr>
+          <a:xfrm>
+            <a:off x="686834" y="1153572"/>
+            <a:ext cx="3200400" cy="4461163"/>
+          </a:xfrm>
+        </p:spPr>
+        <p:txBody>
+          <a:bodyPr>
+            <a:normAutofit/>
+          </a:bodyPr>
+          <a:lstStyle/>
+          <a:p>
+            <a:r>
+              <a:rPr lang="en-CH">
+                <a:solidFill>
+                  <a:srgbClr val="FFFFFF"/>
+                </a:solidFill>
+                <a:latin typeface="+mn-lt"/>
+              </a:rPr>
+              <a:t>AWS ADS </a:t>
+            </a:r>
+            <a:r>
+              <a:rPr lang="en-GB" i="0">
+                <a:solidFill>
+                  <a:srgbClr val="FFFFFF"/>
+                </a:solidFill>
+                <a:effectLst/>
+                <a:latin typeface="+mn-lt"/>
+              </a:rPr>
+              <a:t>Agentless</a:t>
+            </a:r>
+            <a:endParaRPr lang="en-CH">
+              <a:solidFill>
+                <a:srgbClr val="FFFFFF"/>
+              </a:solidFill>
+              <a:latin typeface="+mn-lt"/>
+            </a:endParaRPr>
+          </a:p>
+        </p:txBody>
+      </p:sp>
+      <p:sp>
+        <p:nvSpPr>
+          <p:cNvPr id="12" name="Arc 11">
+            <a:extLst>
+              <a:ext uri="{FF2B5EF4-FFF2-40B4-BE49-F238E27FC236}">
+                <a16:creationId xmlns:a16="http://schemas.microsoft.com/office/drawing/2014/main" id="{081E4A58-353D-44AE-B2FC-2A74E2E400F7}"/>
+              </a:ext>
+              <a:ext uri="{C183D7F6-B498-43B3-948B-1728B52AA6E4}">
+                <adec:decorative xmlns:adec="http://schemas.microsoft.com/office/drawing/2017/decorative" val="1"/>
+              </a:ext>
+            </a:extLst>
+          </p:cNvPr>
+          <p:cNvSpPr>
+            <a:spLocks noGrp="1" noRot="1" noChangeAspect="1" noMove="1" noResize="1" noEditPoints="1" noAdjustHandles="1" noChangeArrowheads="1" noChangeShapeType="1" noTextEdit="1"/>
+          </p:cNvSpPr>
+          <p:nvPr>
+            <p:extLst>
+              <p:ext uri="{386F3935-93C4-4BCD-93E2-E3B085C9AB24}">
+                <p16:designElem xmlns:p16="http://schemas.microsoft.com/office/powerpoint/2015/main" val="1"/>
+              </p:ext>
+            </p:extLst>
+          </p:nvPr>
+        </p:nvSpPr>
+        <p:spPr>
+          <a:xfrm flipV="1">
+            <a:off x="7550402" y="2455479"/>
+            <a:ext cx="4083433" cy="4083433"/>
+          </a:xfrm>
+          <a:prstGeom prst="arc">
+            <a:avLst/>
+          </a:prstGeom>
+          <a:ln w="127000" cap="rnd">
+            <a:solidFill>
+              <a:schemeClr val="accent4"/>
+            </a:solidFill>
+            <a:prstDash val="dash"/>
+          </a:ln>
+        </p:spPr>
+        <p:style>
+          <a:lnRef idx="1">
+            <a:schemeClr val="accent1"/>
+          </a:lnRef>
+          <a:fillRef idx="0">
+            <a:schemeClr val="accent1"/>
+          </a:fillRef>
+          <a:effectRef idx="0">
+            <a:schemeClr val="accent1"/>
+          </a:effectRef>
+          <a:fontRef idx="minor">
+            <a:schemeClr val="tx1"/>
+          </a:fontRef>
+        </p:style>
+        <p:txBody>
+          <a:bodyPr rtlCol="0" anchor="ctr"/>
+          <a:lstStyle/>
+          <a:p>
+            <a:pPr algn="ctr"/>
+            <a:endParaRPr lang="en-US" dirty="0"/>
+          </a:p>
+        </p:txBody>
+      </p:sp>
+      <p:sp>
+        <p:nvSpPr>
+          <p:cNvPr id="20" name="Content Placeholder 2">
+            <a:extLst>
+              <a:ext uri="{FF2B5EF4-FFF2-40B4-BE49-F238E27FC236}">
+                <a16:creationId xmlns:a16="http://schemas.microsoft.com/office/drawing/2014/main" id="{1ACA2A7E-0F0E-4BDE-640D-5736B24CE4C8}"/>
               </a:ext>
             </a:extLst>
           </p:cNvPr>
@@ -14198,172 +15089,46 @@
         </p:nvSpPr>
         <p:spPr>
           <a:xfrm>
-            <a:off x="838200" y="1826290"/>
-            <a:ext cx="10515600" cy="4928617"/>
+            <a:off x="4447308" y="591344"/>
+            <a:ext cx="6906491" cy="5585619"/>
           </a:xfrm>
         </p:spPr>
         <p:txBody>
-          <a:bodyPr>
-            <a:noAutofit/>
+          <a:bodyPr anchor="ctr">
+            <a:normAutofit/>
           </a:bodyPr>
           <a:lstStyle/>
           <a:p>
             <a:r>
-              <a:rPr lang="en-GB" sz="1600" dirty="0">
-                <a:effectLst/>
-                <a:highlight>
-                  <a:srgbClr val="FFFF00"/>
-                </a:highlight>
-              </a:rPr>
-              <a:t>Agent-based </a:t>
-            </a:r>
-            <a:r>
-              <a:rPr lang="en-GB" sz="1600" dirty="0">
-                <a:effectLst/>
-              </a:rPr>
-              <a:t>discovery </a:t>
-            </a:r>
-            <a:r>
-              <a:rPr lang="en-GB" sz="1600" dirty="0">
-                <a:effectLst/>
-                <a:highlight>
-                  <a:srgbClr val="FFFF00"/>
-                </a:highlight>
-              </a:rPr>
-              <a:t>requires a user to install the AWS Application Discovery agent </a:t>
-            </a:r>
-            <a:r>
-              <a:rPr lang="en-GB" sz="1600" dirty="0">
-                <a:effectLst/>
-              </a:rPr>
-              <a:t>onto its host servers or VMs, but collects a higher level of data, such as data related to network connections, compared to the agentless models. </a:t>
-            </a:r>
-          </a:p>
-          <a:p>
-            <a:r>
-              <a:rPr lang="en-GB" sz="1600" dirty="0">
-                <a:effectLst/>
-              </a:rPr>
-              <a:t>Amazon encrypts the data that its agents collect an Application Discovery Service data store. </a:t>
-            </a:r>
-          </a:p>
-          <a:p>
-            <a:r>
-              <a:rPr lang="en-GB" sz="1600" dirty="0">
-                <a:effectLst/>
-              </a:rPr>
-              <a:t>Agent-based discovery limits a user to 1,000 active hosts, 10,000 inactive hosts, 10 GB of data per day and 90 days of data storage.</a:t>
-            </a:r>
-          </a:p>
-          <a:p>
-            <a:r>
-              <a:rPr lang="en-GB" sz="1600" dirty="0">
-                <a:effectLst/>
-              </a:rPr>
-              <a:t>Agent-based discovery is compatible with the following operating systems:</a:t>
-            </a:r>
-          </a:p>
-          <a:p>
-            <a:pPr lvl="1"/>
-            <a:r>
-              <a:rPr lang="en-GB" sz="1600" dirty="0">
-                <a:effectLst/>
-              </a:rPr>
-              <a:t>Amazon Linux 2012.03 or newer;</a:t>
-            </a:r>
-          </a:p>
-          <a:p>
-            <a:pPr lvl="1"/>
-            <a:r>
-              <a:rPr lang="en-GB" sz="1600" dirty="0">
-                <a:effectLst/>
-              </a:rPr>
-              <a:t>Ubuntu 12.04 or newer;</a:t>
-            </a:r>
-          </a:p>
-          <a:p>
-            <a:pPr lvl="1"/>
-            <a:r>
-              <a:rPr lang="en-GB" sz="1600" dirty="0">
-                <a:effectLst/>
-              </a:rPr>
-              <a:t>RHEL 5.11 or newer;</a:t>
-            </a:r>
-          </a:p>
-          <a:p>
-            <a:pPr lvl="1"/>
-            <a:r>
-              <a:rPr lang="en-GB" sz="1600" dirty="0">
-                <a:effectLst/>
-              </a:rPr>
-              <a:t>CentOS 5.11 or newer;</a:t>
-            </a:r>
-          </a:p>
-          <a:p>
-            <a:pPr lvl="1"/>
-            <a:r>
-              <a:rPr lang="en-GB" sz="1600" dirty="0">
-                <a:effectLst/>
-              </a:rPr>
-              <a:t>SUSE 11 with service pack 4 or newer;</a:t>
-            </a:r>
-          </a:p>
-          <a:p>
-            <a:pPr lvl="1"/>
-            <a:r>
-              <a:rPr lang="en-GB" sz="1600" dirty="0">
-                <a:effectLst/>
-              </a:rPr>
-              <a:t>Windows Server 2003 R2;</a:t>
-            </a:r>
-          </a:p>
-          <a:p>
-            <a:pPr lvl="1"/>
-            <a:r>
-              <a:rPr lang="en-GB" sz="1600" dirty="0">
-                <a:effectLst/>
-              </a:rPr>
-              <a:t>Windows Server 2008 R1 SP2 or R2 SP1;</a:t>
-            </a:r>
-          </a:p>
-          <a:p>
-            <a:pPr lvl="1"/>
-            <a:r>
-              <a:rPr lang="en-GB" sz="1600" dirty="0">
-                <a:effectLst/>
-              </a:rPr>
-              <a:t>Windows Server 2012 R1 or R2;</a:t>
-            </a:r>
-          </a:p>
-          <a:p>
-            <a:pPr lvl="1"/>
-            <a:r>
-              <a:rPr lang="en-GB" sz="1600" dirty="0">
-                <a:effectLst/>
-              </a:rPr>
-              <a:t>Windows Server 2016.</a:t>
-            </a:r>
-          </a:p>
-          <a:p>
-            <a:r>
-              <a:rPr lang="en-GB" sz="1600" dirty="0">
-                <a:effectLst/>
-              </a:rPr>
-              <a:t>Agent-based discovery works in VMware and non-virtualized environments. Users can also choose to run both the agent-based and agentless modes simultaneously on their infrastructure.</a:t>
-            </a:r>
-          </a:p>
-          <a:p>
-            <a:pPr marL="0" indent="0">
-              <a:buNone/>
-            </a:pPr>
-            <a:endParaRPr lang="en-CH" sz="1600" dirty="0"/>
+              <a:rPr lang="en-GB" sz="2000" dirty="0"/>
+              <a:t>The agentless model enables an organization to gather data about its infrastructure without having to install the AWS Application Discovery agent onto its host servers or virtual machines (VMs). </a:t>
+            </a:r>
+          </a:p>
+          <a:p>
+            <a:r>
+              <a:rPr lang="en-GB" sz="2000" dirty="0"/>
+              <a:t>The agentless model, which Amazon recommends for enterprises that use VMware vCenter Server, can also collect data regardless of the server operating system in use. </a:t>
+            </a:r>
+          </a:p>
+          <a:p>
+            <a:r>
+              <a:rPr lang="en-GB" sz="2000" dirty="0"/>
+              <a:t>Agentless discovery collects configuration data, such as IP addresses, CPU allocation and network throughput, but is limited to 10 GB of data per day. </a:t>
+            </a:r>
+          </a:p>
+          <a:p>
+            <a:r>
+              <a:rPr lang="en-GB" sz="2000" dirty="0"/>
+              <a:t>To use agentless discovery, an IT professional must deploy and configure the AWS Agentless Discovery Connector virtual appliance.</a:t>
+            </a:r>
+            <a:endParaRPr lang="en-CH" sz="2000" dirty="0"/>
           </a:p>
         </p:txBody>
       </p:sp>
     </p:spTree>
     <p:extLst>
       <p:ext uri="{BB962C8B-B14F-4D97-AF65-F5344CB8AC3E}">
-        <p14:creationId xmlns:p14="http://schemas.microsoft.com/office/powerpoint/2010/main" val="1488885522"/>
+        <p14:creationId xmlns:p14="http://schemas.microsoft.com/office/powerpoint/2010/main" val="2303520826"/>
       </p:ext>
     </p:extLst>
   </p:cSld>
